--- a/ゼミ1/j04/1342082.pptx
+++ b/ゼミ1/j04/1342082.pptx
@@ -5,8 +5,11 @@
     <p:sldMasterId id="2147483714" r:id="rId1"/>
   </p:sldMasterIdLst>
   <p:notesMasterIdLst>
-    <p:notesMasterId r:id="rId13"/>
+    <p:notesMasterId r:id="rId16"/>
   </p:notesMasterIdLst>
+  <p:handoutMasterIdLst>
+    <p:handoutMasterId r:id="rId17"/>
+  </p:handoutMasterIdLst>
   <p:sldIdLst>
     <p:sldId id="256" r:id="rId2"/>
     <p:sldId id="261" r:id="rId3"/>
@@ -14,14 +17,17 @@
     <p:sldId id="258" r:id="rId5"/>
     <p:sldId id="263" r:id="rId6"/>
     <p:sldId id="264" r:id="rId7"/>
-    <p:sldId id="265" r:id="rId8"/>
-    <p:sldId id="266" r:id="rId9"/>
-    <p:sldId id="267" r:id="rId10"/>
-    <p:sldId id="268" r:id="rId11"/>
-    <p:sldId id="269" r:id="rId12"/>
+    <p:sldId id="270" r:id="rId8"/>
+    <p:sldId id="265" r:id="rId9"/>
+    <p:sldId id="266" r:id="rId10"/>
+    <p:sldId id="267" r:id="rId11"/>
+    <p:sldId id="271" r:id="rId12"/>
+    <p:sldId id="272" r:id="rId13"/>
+    <p:sldId id="268" r:id="rId14"/>
+    <p:sldId id="269" r:id="rId15"/>
   </p:sldIdLst>
   <p:sldSz cx="12192000" cy="6858000"/>
-  <p:notesSz cx="6858000" cy="9144000"/>
+  <p:notesSz cx="6735763" cy="9869488"/>
   <p:defaultTextStyle>
     <a:defPPr>
       <a:defRPr lang="ja-JP"/>
@@ -119,10 +125,175 @@
   </p:defaultTextStyle>
   <p:extLst>
     <p:ext uri="{EFAFB233-063F-42B5-8137-9DF3F51BA10A}">
-      <p15:sldGuideLst xmlns:p15="http://schemas.microsoft.com/office/powerpoint/2012/main"/>
+      <p15:sldGuideLst xmlns:p15="http://schemas.microsoft.com/office/powerpoint/2012/main" xmlns=""/>
     </p:ext>
   </p:extLst>
 </p:presentation>
+</file>
+
+<file path=ppt/handoutMasters/handoutMaster1.xml><?xml version="1.0" encoding="utf-8"?>
+<p:handoutMaster xmlns:a="http://schemas.openxmlformats.org/drawingml/2006/main" xmlns:r="http://schemas.openxmlformats.org/officeDocument/2006/relationships" xmlns:p="http://schemas.openxmlformats.org/presentationml/2006/main">
+  <p:cSld>
+    <p:bg>
+      <p:bgRef idx="1001">
+        <a:schemeClr val="bg1"/>
+      </p:bgRef>
+    </p:bg>
+    <p:spTree>
+      <p:nvGrpSpPr>
+        <p:cNvPr id="1" name=""/>
+        <p:cNvGrpSpPr/>
+        <p:nvPr/>
+      </p:nvGrpSpPr>
+      <p:grpSpPr>
+        <a:xfrm>
+          <a:off x="0" y="0"/>
+          <a:ext cx="0" cy="0"/>
+          <a:chOff x="0" y="0"/>
+          <a:chExt cx="0" cy="0"/>
+        </a:xfrm>
+      </p:grpSpPr>
+      <p:sp>
+        <p:nvSpPr>
+          <p:cNvPr id="2" name="ヘッダー プレースホルダー 1"/>
+          <p:cNvSpPr>
+            <a:spLocks noGrp="1"/>
+          </p:cNvSpPr>
+          <p:nvPr>
+            <p:ph type="hdr" sz="quarter"/>
+          </p:nvPr>
+        </p:nvSpPr>
+        <p:spPr>
+          <a:xfrm>
+            <a:off x="0" y="0"/>
+            <a:ext cx="2919413" cy="493713"/>
+          </a:xfrm>
+          <a:prstGeom prst="rect">
+            <a:avLst/>
+          </a:prstGeom>
+        </p:spPr>
+        <p:txBody>
+          <a:bodyPr vert="horz" lIns="91440" tIns="45720" rIns="91440" bIns="45720" rtlCol="0"/>
+          <a:lstStyle>
+            <a:lvl1pPr algn="l">
+              <a:defRPr sz="1200"/>
+            </a:lvl1pPr>
+          </a:lstStyle>
+          <a:p>
+            <a:endParaRPr kumimoji="1" lang="ja-JP" altLang="en-US"/>
+          </a:p>
+        </p:txBody>
+      </p:sp>
+      <p:sp>
+        <p:nvSpPr>
+          <p:cNvPr id="3" name="日付プレースホルダー 2"/>
+          <p:cNvSpPr>
+            <a:spLocks noGrp="1"/>
+          </p:cNvSpPr>
+          <p:nvPr>
+            <p:ph type="dt" sz="quarter" idx="1"/>
+          </p:nvPr>
+        </p:nvSpPr>
+        <p:spPr>
+          <a:xfrm>
+            <a:off x="3814763" y="0"/>
+            <a:ext cx="2919412" cy="493713"/>
+          </a:xfrm>
+          <a:prstGeom prst="rect">
+            <a:avLst/>
+          </a:prstGeom>
+        </p:spPr>
+        <p:txBody>
+          <a:bodyPr vert="horz" lIns="91440" tIns="45720" rIns="91440" bIns="45720" rtlCol="0"/>
+          <a:lstStyle>
+            <a:lvl1pPr algn="r">
+              <a:defRPr sz="1200"/>
+            </a:lvl1pPr>
+          </a:lstStyle>
+          <a:p>
+            <a:fld id="{5A7FE297-AC44-47CF-9B1C-7BE84A4C1C33}" type="datetimeFigureOut">
+              <a:rPr kumimoji="1" lang="ja-JP" altLang="en-US" smtClean="0"/>
+              <a:t>2015/5/21</a:t>
+            </a:fld>
+            <a:endParaRPr kumimoji="1" lang="ja-JP" altLang="en-US"/>
+          </a:p>
+        </p:txBody>
+      </p:sp>
+      <p:sp>
+        <p:nvSpPr>
+          <p:cNvPr id="4" name="フッター プレースホルダー 3"/>
+          <p:cNvSpPr>
+            <a:spLocks noGrp="1"/>
+          </p:cNvSpPr>
+          <p:nvPr>
+            <p:ph type="ftr" sz="quarter" idx="2"/>
+          </p:nvPr>
+        </p:nvSpPr>
+        <p:spPr>
+          <a:xfrm>
+            <a:off x="0" y="9374188"/>
+            <a:ext cx="2919413" cy="493712"/>
+          </a:xfrm>
+          <a:prstGeom prst="rect">
+            <a:avLst/>
+          </a:prstGeom>
+        </p:spPr>
+        <p:txBody>
+          <a:bodyPr vert="horz" lIns="91440" tIns="45720" rIns="91440" bIns="45720" rtlCol="0" anchor="b"/>
+          <a:lstStyle>
+            <a:lvl1pPr algn="l">
+              <a:defRPr sz="1200"/>
+            </a:lvl1pPr>
+          </a:lstStyle>
+          <a:p>
+            <a:endParaRPr kumimoji="1" lang="ja-JP" altLang="en-US"/>
+          </a:p>
+        </p:txBody>
+      </p:sp>
+      <p:sp>
+        <p:nvSpPr>
+          <p:cNvPr id="5" name="スライド番号プレースホルダー 4"/>
+          <p:cNvSpPr>
+            <a:spLocks noGrp="1"/>
+          </p:cNvSpPr>
+          <p:nvPr>
+            <p:ph type="sldNum" sz="quarter" idx="3"/>
+          </p:nvPr>
+        </p:nvSpPr>
+        <p:spPr>
+          <a:xfrm>
+            <a:off x="3814763" y="9374188"/>
+            <a:ext cx="2919412" cy="493712"/>
+          </a:xfrm>
+          <a:prstGeom prst="rect">
+            <a:avLst/>
+          </a:prstGeom>
+        </p:spPr>
+        <p:txBody>
+          <a:bodyPr vert="horz" lIns="91440" tIns="45720" rIns="91440" bIns="45720" rtlCol="0" anchor="b"/>
+          <a:lstStyle>
+            <a:lvl1pPr algn="r">
+              <a:defRPr sz="1200"/>
+            </a:lvl1pPr>
+          </a:lstStyle>
+          <a:p>
+            <a:fld id="{88630492-4D60-4F85-91A2-C3567FAA5574}" type="slidenum">
+              <a:rPr kumimoji="1" lang="ja-JP" altLang="en-US" smtClean="0"/>
+              <a:t>‹#›</a:t>
+            </a:fld>
+            <a:endParaRPr kumimoji="1" lang="ja-JP" altLang="en-US"/>
+          </a:p>
+        </p:txBody>
+      </p:sp>
+    </p:spTree>
+    <p:extLst>
+      <p:ext uri="{BB962C8B-B14F-4D97-AF65-F5344CB8AC3E}">
+        <p14:creationId xmlns:p14="http://schemas.microsoft.com/office/powerpoint/2010/main" val="3916678886"/>
+      </p:ext>
+    </p:extLst>
+  </p:cSld>
+  <p:clrMap bg1="lt1" tx1="dk1" bg2="lt2" tx2="dk2" accent1="accent1" accent2="accent2" accent3="accent3" accent4="accent4" accent5="accent5" accent6="accent6" hlink="hlink" folHlink="folHlink"/>
+</p:handoutMaster>
 </file>
 
 <file path=ppt/notesMasters/notesMaster1.xml><?xml version="1.0" encoding="utf-8"?>
@@ -160,7 +331,7 @@
         <p:spPr>
           <a:xfrm>
             <a:off x="0" y="0"/>
-            <a:ext cx="2971800" cy="458788"/>
+            <a:ext cx="2918831" cy="495188"/>
           </a:xfrm>
           <a:prstGeom prst="rect">
             <a:avLst/>
@@ -190,8 +361,8 @@
         </p:nvSpPr>
         <p:spPr>
           <a:xfrm>
-            <a:off x="3884613" y="0"/>
-            <a:ext cx="2971800" cy="458788"/>
+            <a:off x="3815373" y="0"/>
+            <a:ext cx="2918831" cy="495188"/>
           </a:xfrm>
           <a:prstGeom prst="rect">
             <a:avLst/>
@@ -225,8 +396,8 @@
         </p:nvSpPr>
         <p:spPr>
           <a:xfrm>
-            <a:off x="685800" y="1143000"/>
-            <a:ext cx="5486400" cy="3086100"/>
+            <a:off x="407988" y="1233488"/>
+            <a:ext cx="5919787" cy="3330575"/>
           </a:xfrm>
           <a:prstGeom prst="rect">
             <a:avLst/>
@@ -258,8 +429,8 @@
         </p:nvSpPr>
         <p:spPr>
           <a:xfrm>
-            <a:off x="685800" y="4400550"/>
-            <a:ext cx="5486400" cy="3600450"/>
+            <a:off x="673577" y="4749691"/>
+            <a:ext cx="5388610" cy="3886111"/>
           </a:xfrm>
           <a:prstGeom prst="rect">
             <a:avLst/>
@@ -350,8 +521,8 @@
         </p:nvSpPr>
         <p:spPr>
           <a:xfrm>
-            <a:off x="0" y="8685213"/>
-            <a:ext cx="2971800" cy="458787"/>
+            <a:off x="0" y="9374301"/>
+            <a:ext cx="2918831" cy="495187"/>
           </a:xfrm>
           <a:prstGeom prst="rect">
             <a:avLst/>
@@ -381,8 +552,8 @@
         </p:nvSpPr>
         <p:spPr>
           <a:xfrm>
-            <a:off x="3884613" y="8685213"/>
-            <a:ext cx="2971800" cy="458787"/>
+            <a:off x="3815373" y="9374301"/>
+            <a:ext cx="2918831" cy="495187"/>
           </a:xfrm>
           <a:prstGeom prst="rect">
             <a:avLst/>
@@ -4752,35 +4923,111 @@
           <a:chExt cx="0" cy="0"/>
         </a:xfrm>
       </p:grpSpPr>
-      <p:pic>
-        <p:nvPicPr>
-          <p:cNvPr id="5" name="コンテンツ プレースホルダー 4"/>
-          <p:cNvPicPr>
-            <a:picLocks noGrp="1" noChangeAspect="1"/>
-          </p:cNvPicPr>
+      <p:sp>
+        <p:nvSpPr>
+          <p:cNvPr id="2" name="タイトル 1"/>
+          <p:cNvSpPr>
+            <a:spLocks noGrp="1"/>
+          </p:cNvSpPr>
+          <p:nvPr>
+            <p:ph type="title"/>
+          </p:nvPr>
+        </p:nvSpPr>
+        <p:spPr/>
+        <p:txBody>
+          <a:bodyPr/>
+          <a:lstStyle/>
+          <a:p>
+            <a:r>
+              <a:rPr kumimoji="1" lang="ja-JP" altLang="en-US" dirty="0" smtClean="0"/>
+              <a:t>コミュニケーション計画</a:t>
+            </a:r>
+            <a:endParaRPr kumimoji="1" lang="ja-JP" altLang="en-US" dirty="0"/>
+          </a:p>
+        </p:txBody>
+      </p:sp>
+      <p:sp>
+        <p:nvSpPr>
+          <p:cNvPr id="3" name="コンテンツ プレースホルダー 2"/>
+          <p:cNvSpPr>
+            <a:spLocks noGrp="1"/>
+          </p:cNvSpPr>
           <p:nvPr>
             <p:ph idx="1"/>
           </p:nvPr>
-        </p:nvPicPr>
-        <p:blipFill>
-          <a:blip r:embed="rId2" cstate="print">
-            <a:extLst>
-              <a:ext uri="{28A0092B-C50C-407E-A947-70E740481C1C}">
-                <a14:useLocalDpi xmlns:a14="http://schemas.microsoft.com/office/drawing/2010/main" val="0"/>
-              </a:ext>
-            </a:extLst>
-          </a:blip>
-          <a:stretch>
-            <a:fillRect/>
-          </a:stretch>
-        </p:blipFill>
-        <p:spPr>
-          <a:xfrm>
-            <a:off x="1091330" y="672352"/>
-            <a:ext cx="10121153" cy="5529501"/>
-          </a:xfrm>
-        </p:spPr>
-      </p:pic>
+        </p:nvSpPr>
+        <p:spPr/>
+        <p:txBody>
+          <a:bodyPr/>
+          <a:lstStyle/>
+          <a:p>
+            <a:r>
+              <a:rPr kumimoji="1" lang="ja-JP" altLang="en-US" dirty="0" smtClean="0"/>
+              <a:t>汎用電子乗車券技術研究組合に，</a:t>
+            </a:r>
+            <a:r>
+              <a:rPr lang="ja-JP" altLang="en-US" dirty="0"/>
+              <a:t>汎用電子乗車券開発検討委員会，日本鉄道サイバネスティクス</a:t>
+            </a:r>
+            <a:r>
+              <a:rPr lang="ja-JP" altLang="en-US" dirty="0" smtClean="0"/>
+              <a:t>協議会から</a:t>
+            </a:r>
+            <a:r>
+              <a:rPr lang="en-US" altLang="ja-JP" dirty="0" smtClean="0"/>
+              <a:t>PM</a:t>
+            </a:r>
+            <a:r>
+              <a:rPr lang="ja-JP" altLang="en-US" dirty="0" smtClean="0"/>
+              <a:t>が参加することで全体のプロジェクト　　として統合</a:t>
+            </a:r>
+            <a:endParaRPr lang="en-US" altLang="ja-JP" dirty="0" smtClean="0"/>
+          </a:p>
+          <a:p>
+            <a:pPr lvl="1"/>
+            <a:r>
+              <a:rPr kumimoji="1" lang="en-US" altLang="ja-JP" dirty="0"/>
+              <a:t>3</a:t>
+            </a:r>
+            <a:r>
+              <a:rPr kumimoji="1" lang="ja-JP" altLang="en-US" dirty="0" smtClean="0"/>
+              <a:t>年間，独自にほぼ毎月相互に意見交換を行った</a:t>
+            </a:r>
+            <a:endParaRPr lang="en-US" altLang="ja-JP" dirty="0" smtClean="0"/>
+          </a:p>
+          <a:p>
+            <a:r>
+              <a:rPr kumimoji="1" lang="ja-JP" altLang="en-US" dirty="0"/>
+              <a:t>汎用電子</a:t>
+            </a:r>
+            <a:r>
+              <a:rPr kumimoji="1" lang="ja-JP" altLang="en-US" dirty="0" smtClean="0"/>
+              <a:t>乗車券技術研究組合に参加した全組合員は，</a:t>
+            </a:r>
+            <a:r>
+              <a:rPr kumimoji="1" lang="en-US" altLang="ja-JP" dirty="0" smtClean="0"/>
+              <a:t>1</a:t>
+            </a:r>
+            <a:r>
+              <a:rPr kumimoji="1" lang="ja-JP" altLang="en-US" dirty="0" smtClean="0"/>
+              <a:t>つ以上の研究部会に所属</a:t>
+            </a:r>
+            <a:endParaRPr kumimoji="1" lang="en-US" altLang="ja-JP" dirty="0" smtClean="0"/>
+          </a:p>
+          <a:p>
+            <a:pPr lvl="1"/>
+            <a:r>
+              <a:rPr lang="ja-JP" altLang="en-US" dirty="0"/>
+              <a:t>研究</a:t>
+            </a:r>
+            <a:r>
+              <a:rPr lang="ja-JP" altLang="en-US" dirty="0" smtClean="0"/>
+              <a:t>部会同士の情報交換をタスクフォースの形で行う</a:t>
+            </a:r>
+            <a:endParaRPr kumimoji="1" lang="en-US" altLang="ja-JP" dirty="0" smtClean="0"/>
+          </a:p>
+        </p:txBody>
+      </p:sp>
       <p:sp>
         <p:nvSpPr>
           <p:cNvPr id="4" name="スライド番号プレースホルダー 3"/>
@@ -4807,7 +5054,7 @@
     </p:spTree>
     <p:extLst>
       <p:ext uri="{BB962C8B-B14F-4D97-AF65-F5344CB8AC3E}">
-        <p14:creationId xmlns:p14="http://schemas.microsoft.com/office/powerpoint/2010/main" val="1853652352"/>
+        <p14:creationId xmlns:p14="http://schemas.microsoft.com/office/powerpoint/2010/main" val="3718307430"/>
       </p:ext>
     </p:extLst>
   </p:cSld>
@@ -4856,11 +5103,7 @@
           <a:bodyPr/>
           <a:lstStyle/>
           <a:p>
-            <a:r>
-              <a:rPr kumimoji="1" lang="ja-JP" altLang="en-US" dirty="0" smtClean="0"/>
-              <a:t>教訓</a:t>
-            </a:r>
-            <a:endParaRPr kumimoji="1" lang="ja-JP" altLang="en-US" dirty="0"/>
+            <a:endParaRPr kumimoji="1" lang="ja-JP" altLang="en-US"/>
           </a:p>
         </p:txBody>
       </p:sp>
@@ -4879,50 +5122,6 @@
           <a:bodyPr/>
           <a:lstStyle/>
           <a:p>
-            <a:r>
-              <a:rPr kumimoji="1" lang="ja-JP" altLang="en-US" dirty="0" smtClean="0"/>
-              <a:t>関係する全てのステークホルダが参加する開発体制，コミュニケーション体制を確立し，確実に運営する</a:t>
-            </a:r>
-            <a:endParaRPr kumimoji="1" lang="en-US" altLang="ja-JP" dirty="0" smtClean="0"/>
-          </a:p>
-          <a:p>
-            <a:r>
-              <a:rPr lang="ja-JP" altLang="en-US" dirty="0" smtClean="0"/>
-              <a:t>コンセプトの具体的な開発と実用化については，行政が関わらず</a:t>
-            </a:r>
-            <a:r>
-              <a:rPr lang="ja-JP" altLang="en-US" dirty="0"/>
-              <a:t>民間の</a:t>
-            </a:r>
-            <a:r>
-              <a:rPr lang="ja-JP" altLang="en-US" dirty="0" smtClean="0"/>
-              <a:t>力を活用し，業界に委ねる</a:t>
-            </a:r>
-            <a:endParaRPr lang="en-US" altLang="ja-JP" dirty="0" smtClean="0"/>
-          </a:p>
-          <a:p>
-            <a:r>
-              <a:rPr kumimoji="1" lang="ja-JP" altLang="en-US" dirty="0" smtClean="0"/>
-              <a:t>スコープは，全てのステークホルダが理解でき，プロジェクトの推進に参画できる明確なものとする</a:t>
-            </a:r>
-            <a:endParaRPr kumimoji="1" lang="en-US" altLang="ja-JP" dirty="0" smtClean="0"/>
-          </a:p>
-          <a:p>
-            <a:r>
-              <a:rPr lang="ja-JP" altLang="en-US" dirty="0"/>
-              <a:t>検討方法</a:t>
-            </a:r>
-            <a:r>
-              <a:rPr lang="ja-JP" altLang="en-US" dirty="0" smtClean="0"/>
-              <a:t>や技術的に観て合理的なフェーズの切り分けを行い，確実に実行する</a:t>
-            </a:r>
-            <a:endParaRPr lang="en-US" altLang="ja-JP" dirty="0" smtClean="0"/>
-          </a:p>
-          <a:p>
-            <a:r>
-              <a:rPr kumimoji="1" lang="ja-JP" altLang="en-US" smtClean="0"/>
-              <a:t>組織の意思決定過程や運営を組織メンバーに公開し，透明な運営を行う</a:t>
-            </a:r>
             <a:endParaRPr kumimoji="1" lang="ja-JP" altLang="en-US"/>
           </a:p>
         </p:txBody>
@@ -4945,6 +5144,456 @@
             <a:fld id="{A4E6642C-D3C9-4DC2-8962-09BE970CAC7A}" type="slidenum">
               <a:rPr kumimoji="1" lang="ja-JP" altLang="en-US" smtClean="0"/>
               <a:t>11</a:t>
+            </a:fld>
+            <a:endParaRPr kumimoji="1" lang="ja-JP" altLang="en-US"/>
+          </a:p>
+        </p:txBody>
+      </p:sp>
+      <p:pic>
+        <p:nvPicPr>
+          <p:cNvPr id="1026" name="Picture 2" descr="C:\Users\horiuchi\Documents\GitHub\horiuchi-lab-teamA-\ゼミ1\j04\image.jpeg"/>
+          <p:cNvPicPr>
+            <a:picLocks noChangeAspect="1" noChangeArrowheads="1"/>
+          </p:cNvPicPr>
+          <p:nvPr/>
+        </p:nvPicPr>
+        <p:blipFill>
+          <a:blip r:embed="rId2">
+            <a:extLst>
+              <a:ext uri="{28A0092B-C50C-407E-A947-70E740481C1C}">
+                <a14:useLocalDpi xmlns:a14="http://schemas.microsoft.com/office/drawing/2010/main" val="0"/>
+              </a:ext>
+            </a:extLst>
+          </a:blip>
+          <a:srcRect/>
+          <a:stretch>
+            <a:fillRect/>
+          </a:stretch>
+        </p:blipFill>
+        <p:spPr bwMode="auto">
+          <a:xfrm>
+            <a:off x="719137" y="261266"/>
+            <a:ext cx="10741343" cy="5875374"/>
+          </a:xfrm>
+          <a:prstGeom prst="rect">
+            <a:avLst/>
+          </a:prstGeom>
+          <a:noFill/>
+          <a:extLst>
+            <a:ext uri="{909E8E84-426E-40DD-AFC4-6F175D3DCCD1}">
+              <a14:hiddenFill xmlns:a14="http://schemas.microsoft.com/office/drawing/2010/main">
+                <a:solidFill>
+                  <a:srgbClr val="FFFFFF"/>
+                </a:solidFill>
+              </a14:hiddenFill>
+            </a:ext>
+          </a:extLst>
+        </p:spPr>
+      </p:pic>
+    </p:spTree>
+    <p:extLst>
+      <p:ext uri="{BB962C8B-B14F-4D97-AF65-F5344CB8AC3E}">
+        <p14:creationId xmlns:p14="http://schemas.microsoft.com/office/powerpoint/2010/main" val="1791294317"/>
+      </p:ext>
+    </p:extLst>
+  </p:cSld>
+  <p:clrMapOvr>
+    <a:masterClrMapping/>
+  </p:clrMapOvr>
+</p:sld>
+</file>
+
+<file path=ppt/slides/slide12.xml><?xml version="1.0" encoding="utf-8"?>
+<p:sld xmlns:a="http://schemas.openxmlformats.org/drawingml/2006/main" xmlns:r="http://schemas.openxmlformats.org/officeDocument/2006/relationships" xmlns:p="http://schemas.openxmlformats.org/presentationml/2006/main">
+  <p:cSld>
+    <p:spTree>
+      <p:nvGrpSpPr>
+        <p:cNvPr id="1" name=""/>
+        <p:cNvGrpSpPr/>
+        <p:nvPr/>
+      </p:nvGrpSpPr>
+      <p:grpSpPr>
+        <a:xfrm>
+          <a:off x="0" y="0"/>
+          <a:ext cx="0" cy="0"/>
+          <a:chOff x="0" y="0"/>
+          <a:chExt cx="0" cy="0"/>
+        </a:xfrm>
+      </p:grpSpPr>
+      <p:sp>
+        <p:nvSpPr>
+          <p:cNvPr id="2" name="タイトル 1"/>
+          <p:cNvSpPr>
+            <a:spLocks noGrp="1"/>
+          </p:cNvSpPr>
+          <p:nvPr>
+            <p:ph type="title"/>
+          </p:nvPr>
+        </p:nvSpPr>
+        <p:spPr/>
+        <p:txBody>
+          <a:bodyPr/>
+          <a:lstStyle/>
+          <a:p>
+            <a:r>
+              <a:rPr kumimoji="1" lang="ja-JP" altLang="en-US" dirty="0" smtClean="0"/>
+              <a:t>コミュニケーション計画</a:t>
+            </a:r>
+            <a:endParaRPr kumimoji="1" lang="ja-JP" altLang="en-US" dirty="0"/>
+          </a:p>
+        </p:txBody>
+      </p:sp>
+      <p:sp>
+        <p:nvSpPr>
+          <p:cNvPr id="3" name="コンテンツ プレースホルダー 2"/>
+          <p:cNvSpPr>
+            <a:spLocks noGrp="1"/>
+          </p:cNvSpPr>
+          <p:nvPr>
+            <p:ph idx="1"/>
+          </p:nvPr>
+        </p:nvSpPr>
+        <p:spPr/>
+        <p:txBody>
+          <a:bodyPr/>
+          <a:lstStyle/>
+          <a:p>
+            <a:r>
+              <a:rPr lang="ja-JP" altLang="en-US" dirty="0"/>
+              <a:t>汎用電子乗車券開発検討委員会</a:t>
+            </a:r>
+            <a:r>
+              <a:rPr kumimoji="1" lang="ja-JP" altLang="en-US" dirty="0" smtClean="0"/>
+              <a:t>に，</a:t>
+            </a:r>
+            <a:r>
+              <a:rPr lang="ja-JP" altLang="en-US" dirty="0" smtClean="0"/>
+              <a:t>汎用</a:t>
+            </a:r>
+            <a:r>
+              <a:rPr lang="ja-JP" altLang="en-US" dirty="0"/>
+              <a:t>電子乗車券技術研究組合</a:t>
+            </a:r>
+            <a:r>
+              <a:rPr lang="ja-JP" altLang="en-US" dirty="0" smtClean="0"/>
+              <a:t>，</a:t>
+            </a:r>
+            <a:r>
+              <a:rPr lang="ja-JP" altLang="en-US" dirty="0"/>
+              <a:t>日本鉄道サイバネスティクス</a:t>
+            </a:r>
+            <a:r>
+              <a:rPr lang="ja-JP" altLang="en-US" dirty="0" smtClean="0"/>
+              <a:t>協議会から</a:t>
+            </a:r>
+            <a:r>
+              <a:rPr lang="en-US" altLang="ja-JP" dirty="0" smtClean="0"/>
+              <a:t>PM</a:t>
+            </a:r>
+            <a:r>
+              <a:rPr lang="ja-JP" altLang="en-US" dirty="0" smtClean="0"/>
+              <a:t>が参加することで全体のプロジェクト　　として統合</a:t>
+            </a:r>
+            <a:endParaRPr lang="en-US" altLang="ja-JP" dirty="0" smtClean="0"/>
+          </a:p>
+          <a:p>
+            <a:pPr lvl="1"/>
+            <a:r>
+              <a:rPr kumimoji="1" lang="en-US" altLang="ja-JP" dirty="0"/>
+              <a:t>3</a:t>
+            </a:r>
+            <a:r>
+              <a:rPr kumimoji="1" lang="ja-JP" altLang="en-US" dirty="0" smtClean="0"/>
+              <a:t>年間，独自にほぼ毎月相互に意見交換を行った</a:t>
+            </a:r>
+            <a:endParaRPr lang="en-US" altLang="ja-JP" dirty="0" smtClean="0"/>
+          </a:p>
+          <a:p>
+            <a:r>
+              <a:rPr kumimoji="1" lang="ja-JP" altLang="en-US" dirty="0"/>
+              <a:t>汎用電子</a:t>
+            </a:r>
+            <a:r>
+              <a:rPr kumimoji="1" lang="ja-JP" altLang="en-US" dirty="0" smtClean="0"/>
+              <a:t>乗車券技術研究組合に参加した全組合員は，</a:t>
+            </a:r>
+            <a:r>
+              <a:rPr kumimoji="1" lang="en-US" altLang="ja-JP" dirty="0" smtClean="0"/>
+              <a:t>1</a:t>
+            </a:r>
+            <a:r>
+              <a:rPr kumimoji="1" lang="ja-JP" altLang="en-US" dirty="0" smtClean="0"/>
+              <a:t>つ以上の研究部会に所属</a:t>
+            </a:r>
+            <a:endParaRPr kumimoji="1" lang="en-US" altLang="ja-JP" dirty="0" smtClean="0"/>
+          </a:p>
+          <a:p>
+            <a:pPr lvl="1"/>
+            <a:r>
+              <a:rPr lang="ja-JP" altLang="en-US" dirty="0"/>
+              <a:t>研究</a:t>
+            </a:r>
+            <a:r>
+              <a:rPr lang="ja-JP" altLang="en-US" dirty="0" smtClean="0"/>
+              <a:t>部会同士の情報交換をタスクフォースの形で行う</a:t>
+            </a:r>
+            <a:endParaRPr kumimoji="1" lang="en-US" altLang="ja-JP" dirty="0" smtClean="0"/>
+          </a:p>
+        </p:txBody>
+      </p:sp>
+      <p:sp>
+        <p:nvSpPr>
+          <p:cNvPr id="4" name="スライド番号プレースホルダー 3"/>
+          <p:cNvSpPr>
+            <a:spLocks noGrp="1"/>
+          </p:cNvSpPr>
+          <p:nvPr>
+            <p:ph type="sldNum" sz="quarter" idx="12"/>
+          </p:nvPr>
+        </p:nvSpPr>
+        <p:spPr/>
+        <p:txBody>
+          <a:bodyPr/>
+          <a:lstStyle/>
+          <a:p>
+            <a:fld id="{A4E6642C-D3C9-4DC2-8962-09BE970CAC7A}" type="slidenum">
+              <a:rPr kumimoji="1" lang="ja-JP" altLang="en-US" smtClean="0"/>
+              <a:t>12</a:t>
+            </a:fld>
+            <a:endParaRPr kumimoji="1" lang="ja-JP" altLang="en-US"/>
+          </a:p>
+        </p:txBody>
+      </p:sp>
+    </p:spTree>
+    <p:extLst>
+      <p:ext uri="{BB962C8B-B14F-4D97-AF65-F5344CB8AC3E}">
+        <p14:creationId xmlns:p14="http://schemas.microsoft.com/office/powerpoint/2010/main" val="490277531"/>
+      </p:ext>
+    </p:extLst>
+  </p:cSld>
+  <p:clrMapOvr>
+    <a:masterClrMapping/>
+  </p:clrMapOvr>
+  <p:timing>
+    <p:tnLst>
+      <p:par>
+        <p:cTn id="1" dur="indefinite" restart="never" nodeType="tmRoot"/>
+      </p:par>
+    </p:tnLst>
+  </p:timing>
+</p:sld>
+</file>
+
+<file path=ppt/slides/slide13.xml><?xml version="1.0" encoding="utf-8"?>
+<p:sld xmlns:a="http://schemas.openxmlformats.org/drawingml/2006/main" xmlns:r="http://schemas.openxmlformats.org/officeDocument/2006/relationships" xmlns:p="http://schemas.openxmlformats.org/presentationml/2006/main">
+  <p:cSld>
+    <p:spTree>
+      <p:nvGrpSpPr>
+        <p:cNvPr id="1" name=""/>
+        <p:cNvGrpSpPr/>
+        <p:nvPr/>
+      </p:nvGrpSpPr>
+      <p:grpSpPr>
+        <a:xfrm>
+          <a:off x="0" y="0"/>
+          <a:ext cx="0" cy="0"/>
+          <a:chOff x="0" y="0"/>
+          <a:chExt cx="0" cy="0"/>
+        </a:xfrm>
+      </p:grpSpPr>
+      <p:pic>
+        <p:nvPicPr>
+          <p:cNvPr id="5" name="コンテンツ プレースホルダー 4"/>
+          <p:cNvPicPr>
+            <a:picLocks noGrp="1" noChangeAspect="1"/>
+          </p:cNvPicPr>
+          <p:nvPr>
+            <p:ph idx="1"/>
+          </p:nvPr>
+        </p:nvPicPr>
+        <p:blipFill>
+          <a:blip r:embed="rId2" cstate="print">
+            <a:extLst>
+              <a:ext uri="{28A0092B-C50C-407E-A947-70E740481C1C}">
+                <a14:useLocalDpi xmlns:a14="http://schemas.microsoft.com/office/drawing/2010/main" val="0"/>
+              </a:ext>
+            </a:extLst>
+          </a:blip>
+          <a:stretch>
+            <a:fillRect/>
+          </a:stretch>
+        </p:blipFill>
+        <p:spPr>
+          <a:xfrm>
+            <a:off x="1091330" y="672352"/>
+            <a:ext cx="10121153" cy="5529501"/>
+          </a:xfrm>
+        </p:spPr>
+      </p:pic>
+      <p:sp>
+        <p:nvSpPr>
+          <p:cNvPr id="4" name="スライド番号プレースホルダー 3"/>
+          <p:cNvSpPr>
+            <a:spLocks noGrp="1"/>
+          </p:cNvSpPr>
+          <p:nvPr>
+            <p:ph type="sldNum" sz="quarter" idx="12"/>
+          </p:nvPr>
+        </p:nvSpPr>
+        <p:spPr/>
+        <p:txBody>
+          <a:bodyPr/>
+          <a:lstStyle/>
+          <a:p>
+            <a:fld id="{A4E6642C-D3C9-4DC2-8962-09BE970CAC7A}" type="slidenum">
+              <a:rPr kumimoji="1" lang="ja-JP" altLang="en-US" smtClean="0"/>
+              <a:t>13</a:t>
+            </a:fld>
+            <a:endParaRPr kumimoji="1" lang="ja-JP" altLang="en-US"/>
+          </a:p>
+        </p:txBody>
+      </p:sp>
+    </p:spTree>
+    <p:extLst>
+      <p:ext uri="{BB962C8B-B14F-4D97-AF65-F5344CB8AC3E}">
+        <p14:creationId xmlns:p14="http://schemas.microsoft.com/office/powerpoint/2010/main" val="1853652352"/>
+      </p:ext>
+    </p:extLst>
+  </p:cSld>
+  <p:clrMapOvr>
+    <a:masterClrMapping/>
+  </p:clrMapOvr>
+  <p:timing>
+    <p:tnLst>
+      <p:par>
+        <p:cTn id="1" dur="indefinite" restart="never" nodeType="tmRoot"/>
+      </p:par>
+    </p:tnLst>
+  </p:timing>
+</p:sld>
+</file>
+
+<file path=ppt/slides/slide14.xml><?xml version="1.0" encoding="utf-8"?>
+<p:sld xmlns:a="http://schemas.openxmlformats.org/drawingml/2006/main" xmlns:r="http://schemas.openxmlformats.org/officeDocument/2006/relationships" xmlns:p="http://schemas.openxmlformats.org/presentationml/2006/main">
+  <p:cSld>
+    <p:spTree>
+      <p:nvGrpSpPr>
+        <p:cNvPr id="1" name=""/>
+        <p:cNvGrpSpPr/>
+        <p:nvPr/>
+      </p:nvGrpSpPr>
+      <p:grpSpPr>
+        <a:xfrm>
+          <a:off x="0" y="0"/>
+          <a:ext cx="0" cy="0"/>
+          <a:chOff x="0" y="0"/>
+          <a:chExt cx="0" cy="0"/>
+        </a:xfrm>
+      </p:grpSpPr>
+      <p:sp>
+        <p:nvSpPr>
+          <p:cNvPr id="2" name="タイトル 1"/>
+          <p:cNvSpPr>
+            <a:spLocks noGrp="1"/>
+          </p:cNvSpPr>
+          <p:nvPr>
+            <p:ph type="title"/>
+          </p:nvPr>
+        </p:nvSpPr>
+        <p:spPr/>
+        <p:txBody>
+          <a:bodyPr/>
+          <a:lstStyle/>
+          <a:p>
+            <a:r>
+              <a:rPr kumimoji="1" lang="ja-JP" altLang="en-US" dirty="0" smtClean="0"/>
+              <a:t>教訓</a:t>
+            </a:r>
+            <a:endParaRPr kumimoji="1" lang="ja-JP" altLang="en-US" dirty="0"/>
+          </a:p>
+        </p:txBody>
+      </p:sp>
+      <p:sp>
+        <p:nvSpPr>
+          <p:cNvPr id="3" name="コンテンツ プレースホルダー 2"/>
+          <p:cNvSpPr>
+            <a:spLocks noGrp="1"/>
+          </p:cNvSpPr>
+          <p:nvPr>
+            <p:ph idx="1"/>
+          </p:nvPr>
+        </p:nvSpPr>
+        <p:spPr/>
+        <p:txBody>
+          <a:bodyPr/>
+          <a:lstStyle/>
+          <a:p>
+            <a:r>
+              <a:rPr kumimoji="1" lang="ja-JP" altLang="en-US" dirty="0" smtClean="0"/>
+              <a:t>関係する全てのステークホルダが参加する開発体制，コミュニケーション体制を確立し，確実に運営する</a:t>
+            </a:r>
+            <a:endParaRPr kumimoji="1" lang="en-US" altLang="ja-JP" dirty="0" smtClean="0"/>
+          </a:p>
+          <a:p>
+            <a:r>
+              <a:rPr lang="ja-JP" altLang="en-US" dirty="0" smtClean="0"/>
+              <a:t>コンセプトの具体的な開発と実用化については，行政が関わらず</a:t>
+            </a:r>
+            <a:r>
+              <a:rPr lang="ja-JP" altLang="en-US" dirty="0"/>
+              <a:t>民間の</a:t>
+            </a:r>
+            <a:r>
+              <a:rPr lang="ja-JP" altLang="en-US" dirty="0" smtClean="0"/>
+              <a:t>力を活用し，業界に委ねる</a:t>
+            </a:r>
+            <a:endParaRPr lang="en-US" altLang="ja-JP" dirty="0" smtClean="0"/>
+          </a:p>
+          <a:p>
+            <a:r>
+              <a:rPr kumimoji="1" lang="ja-JP" altLang="en-US" dirty="0" smtClean="0"/>
+              <a:t>スコープは，全てのステークホルダが理解でき，プロジェクトの推進に参画できる明確なものとする</a:t>
+            </a:r>
+            <a:endParaRPr kumimoji="1" lang="en-US" altLang="ja-JP" dirty="0" smtClean="0"/>
+          </a:p>
+          <a:p>
+            <a:r>
+              <a:rPr lang="ja-JP" altLang="en-US" dirty="0"/>
+              <a:t>検討方法</a:t>
+            </a:r>
+            <a:r>
+              <a:rPr lang="ja-JP" altLang="en-US" dirty="0" smtClean="0"/>
+              <a:t>や技術的に観て合理的なフェーズの切り分けを行い，確実に実行する</a:t>
+            </a:r>
+            <a:endParaRPr lang="en-US" altLang="ja-JP" dirty="0" smtClean="0"/>
+          </a:p>
+          <a:p>
+            <a:r>
+              <a:rPr kumimoji="1" lang="ja-JP" altLang="en-US" smtClean="0"/>
+              <a:t>組織の意思決定過程や運営を組織メンバーに公開し，透明な運営を行う</a:t>
+            </a:r>
+            <a:endParaRPr kumimoji="1" lang="ja-JP" altLang="en-US"/>
+          </a:p>
+        </p:txBody>
+      </p:sp>
+      <p:sp>
+        <p:nvSpPr>
+          <p:cNvPr id="4" name="スライド番号プレースホルダー 3"/>
+          <p:cNvSpPr>
+            <a:spLocks noGrp="1"/>
+          </p:cNvSpPr>
+          <p:nvPr>
+            <p:ph type="sldNum" sz="quarter" idx="12"/>
+          </p:nvPr>
+        </p:nvSpPr>
+        <p:spPr/>
+        <p:txBody>
+          <a:bodyPr/>
+          <a:lstStyle/>
+          <a:p>
+            <a:fld id="{A4E6642C-D3C9-4DC2-8962-09BE970CAC7A}" type="slidenum">
+              <a:rPr kumimoji="1" lang="ja-JP" altLang="en-US" smtClean="0"/>
+              <a:t>14</a:t>
             </a:fld>
             <a:endParaRPr kumimoji="1" lang="ja-JP" altLang="en-US"/>
           </a:p>
@@ -6103,7 +6752,7 @@
           <a:p>
             <a:r>
               <a:rPr kumimoji="1" lang="ja-JP" altLang="en-US" dirty="0" smtClean="0"/>
-              <a:t>プロジェクトの体制</a:t>
+              <a:t>他のタイプ</a:t>
             </a:r>
             <a:endParaRPr kumimoji="1" lang="ja-JP" altLang="en-US" dirty="0"/>
           </a:p>
@@ -6126,71 +6775,80 @@
           <a:p>
             <a:r>
               <a:rPr kumimoji="1" lang="ja-JP" altLang="en-US" dirty="0" smtClean="0"/>
-              <a:t>行政のスタンス</a:t>
+              <a:t>タイプ</a:t>
+            </a:r>
+            <a:r>
+              <a:rPr kumimoji="1" lang="en-US" altLang="ja-JP" dirty="0" smtClean="0"/>
+              <a:t>A</a:t>
+            </a:r>
+          </a:p>
+          <a:p>
+            <a:pPr lvl="1"/>
+            <a:r>
+              <a:rPr lang="ja-JP" altLang="en-US" dirty="0" smtClean="0"/>
+              <a:t>長所：世界中に普及している</a:t>
+            </a:r>
+            <a:endParaRPr lang="en-US" altLang="ja-JP" dirty="0" smtClean="0"/>
+          </a:p>
+          <a:p>
+            <a:pPr lvl="1"/>
+            <a:r>
+              <a:rPr kumimoji="1" lang="ja-JP" altLang="en-US" dirty="0" smtClean="0"/>
+              <a:t>短所：プロトコルが高速処理向きでない，通信速度が上げられない</a:t>
             </a:r>
             <a:endParaRPr kumimoji="1" lang="en-US" altLang="ja-JP" dirty="0" smtClean="0"/>
           </a:p>
           <a:p>
+            <a:r>
+              <a:rPr lang="ja-JP" altLang="en-US" dirty="0" smtClean="0"/>
+              <a:t>タイプ</a:t>
+            </a:r>
+            <a:r>
+              <a:rPr lang="en-US" altLang="ja-JP" dirty="0" smtClean="0"/>
+              <a:t>B</a:t>
+            </a:r>
+          </a:p>
+          <a:p>
             <a:pPr lvl="1"/>
             <a:r>
-              <a:rPr lang="ja-JP" altLang="en-US" dirty="0"/>
-              <a:t>最低限</a:t>
-            </a:r>
-            <a:r>
               <a:rPr lang="ja-JP" altLang="en-US" dirty="0" smtClean="0"/>
-              <a:t>のルールを決めるだけ</a:t>
+              <a:t>長所：通信速度の高速化が可能</a:t>
             </a:r>
             <a:endParaRPr lang="en-US" altLang="ja-JP" dirty="0" smtClean="0"/>
           </a:p>
           <a:p>
-            <a:r>
-              <a:rPr lang="ja-JP" altLang="en-US" dirty="0"/>
-              <a:t>ユニーク</a:t>
-            </a:r>
+            <a:pPr lvl="1"/>
             <a:r>
               <a:rPr lang="ja-JP" altLang="en-US" dirty="0" smtClean="0"/>
-              <a:t>なプロジェクト体制</a:t>
+              <a:t>短所：プロトコルが高速処理向きでない</a:t>
             </a:r>
             <a:endParaRPr lang="en-US" altLang="ja-JP" dirty="0" smtClean="0"/>
           </a:p>
           <a:p>
+            <a:r>
+              <a:rPr lang="ja-JP" altLang="en-US" dirty="0" smtClean="0"/>
+              <a:t>タイプ</a:t>
+            </a:r>
+            <a:r>
+              <a:rPr lang="en-US" altLang="ja-JP" dirty="0" smtClean="0"/>
+              <a:t>C</a:t>
+            </a:r>
+          </a:p>
+          <a:p>
             <a:pPr lvl="1"/>
             <a:r>
-              <a:rPr lang="ja-JP" altLang="en-US" dirty="0"/>
-              <a:t>学識</a:t>
-            </a:r>
-            <a:r>
               <a:rPr lang="ja-JP" altLang="en-US" dirty="0" smtClean="0"/>
-              <a:t>経験者，利用者代表，運輸事業者代表，乗車券システム構築企業代表などのメンバーで設立　された，生活者・市民，企業，行政の全てが参加した組織</a:t>
+              <a:t>長所：プロトコルが高速</a:t>
+            </a:r>
+            <a:endParaRPr lang="en-US" altLang="ja-JP" dirty="0" smtClean="0"/>
+          </a:p>
+          <a:p>
+            <a:pPr lvl="1"/>
+            <a:r>
+              <a:rPr lang="ja-JP" altLang="en-US" dirty="0" smtClean="0"/>
+              <a:t>短所：通信速度が上げられない</a:t>
             </a:r>
             <a:endParaRPr lang="en-US" altLang="ja-JP" dirty="0"/>
-          </a:p>
-          <a:p>
-            <a:pPr lvl="1"/>
-            <a:r>
-              <a:rPr lang="ja-JP" altLang="en-US" dirty="0"/>
-              <a:t>協</a:t>
-            </a:r>
-            <a:r>
-              <a:rPr lang="ja-JP" altLang="en-US" dirty="0" smtClean="0"/>
-              <a:t>議会のもとに本件に関する特別分科会</a:t>
-            </a:r>
-            <a:endParaRPr lang="en-US" altLang="ja-JP" dirty="0" smtClean="0"/>
-          </a:p>
-          <a:p>
-            <a:pPr lvl="1"/>
-            <a:r>
-              <a:rPr lang="ja-JP" altLang="en-US" dirty="0"/>
-              <a:t>汎用電子</a:t>
-            </a:r>
-            <a:r>
-              <a:rPr lang="ja-JP" altLang="en-US" dirty="0" smtClean="0"/>
-              <a:t>乗車券技術研究組合（</a:t>
-            </a:r>
-            <a:r>
-              <a:rPr lang="en-US" altLang="ja-JP" dirty="0" smtClean="0"/>
-              <a:t>TRAMET)</a:t>
-            </a:r>
           </a:p>
         </p:txBody>
       </p:sp>
@@ -6220,25 +6878,18 @@
     </p:spTree>
     <p:extLst>
       <p:ext uri="{BB962C8B-B14F-4D97-AF65-F5344CB8AC3E}">
-        <p14:creationId xmlns:p14="http://schemas.microsoft.com/office/powerpoint/2010/main" val="456741462"/>
+        <p14:creationId xmlns:p14="http://schemas.microsoft.com/office/powerpoint/2010/main" val="2813947643"/>
       </p:ext>
     </p:extLst>
   </p:cSld>
   <p:clrMapOvr>
     <a:masterClrMapping/>
   </p:clrMapOvr>
-  <p:timing>
-    <p:tnLst>
-      <p:par>
-        <p:cTn id="1" dur="indefinite" restart="never" nodeType="tmRoot"/>
-      </p:par>
-    </p:tnLst>
-  </p:timing>
 </p:sld>
 </file>
 
 <file path=ppt/slides/slide8.xml><?xml version="1.0" encoding="utf-8"?>
-<p:sld xmlns:a="http://schemas.openxmlformats.org/drawingml/2006/main" xmlns:r="http://schemas.openxmlformats.org/officeDocument/2006/relationships" xmlns:p="http://schemas.openxmlformats.org/presentationml/2006/main">
+<p:sld xmlns:a="http://schemas.openxmlformats.org/drawingml/2006/main" xmlns:r="http://schemas.openxmlformats.org/officeDocument/2006/relationships" xmlns:p="http://schemas.openxmlformats.org/presentationml/2006/main" show="0">
   <p:cSld>
     <p:spTree>
       <p:nvGrpSpPr>
@@ -6271,7 +6922,7 @@
           <a:p>
             <a:r>
               <a:rPr kumimoji="1" lang="ja-JP" altLang="en-US" dirty="0" smtClean="0"/>
-              <a:t>スコープ</a:t>
+              <a:t>プロジェクトの体制</a:t>
             </a:r>
             <a:endParaRPr kumimoji="1" lang="ja-JP" altLang="en-US" dirty="0"/>
           </a:p>
@@ -6294,7 +6945,7 @@
           <a:p>
             <a:r>
               <a:rPr kumimoji="1" lang="ja-JP" altLang="en-US" dirty="0" smtClean="0"/>
-              <a:t>開発コンセプト</a:t>
+              <a:t>行政のスタンス</a:t>
             </a:r>
             <a:endParaRPr kumimoji="1" lang="en-US" altLang="ja-JP" dirty="0" smtClean="0"/>
           </a:p>
@@ -6302,84 +6953,63 @@
             <a:pPr lvl="1"/>
             <a:r>
               <a:rPr lang="ja-JP" altLang="en-US" dirty="0"/>
-              <a:t>顧客</a:t>
+              <a:t>最低限</a:t>
             </a:r>
             <a:r>
               <a:rPr lang="ja-JP" altLang="en-US" dirty="0" smtClean="0"/>
-              <a:t>利便性の向上</a:t>
+              <a:t>のルールを決めるだけ</a:t>
             </a:r>
             <a:endParaRPr lang="en-US" altLang="ja-JP" dirty="0" smtClean="0"/>
           </a:p>
           <a:p>
+            <a:r>
+              <a:rPr lang="ja-JP" altLang="en-US" dirty="0"/>
+              <a:t>ユニーク</a:t>
+            </a:r>
+            <a:r>
+              <a:rPr lang="ja-JP" altLang="en-US" dirty="0" smtClean="0"/>
+              <a:t>なプロジェクト体制</a:t>
+            </a:r>
+            <a:endParaRPr lang="en-US" altLang="ja-JP" dirty="0" smtClean="0"/>
+          </a:p>
+          <a:p>
             <a:pPr lvl="1"/>
             <a:r>
               <a:rPr lang="ja-JP" altLang="en-US" dirty="0"/>
-              <a:t>処理</a:t>
+              <a:t>学識</a:t>
             </a:r>
             <a:r>
               <a:rPr lang="ja-JP" altLang="en-US" dirty="0" smtClean="0"/>
-              <a:t>能力の向上</a:t>
+              <a:t>経験者，利用者代表，運輸事業者代表，乗車券システム構築企業代表などのメンバーで設立　された，生活者・市民，企業，行政の全てが参加した組織</a:t>
+            </a:r>
+            <a:endParaRPr lang="en-US" altLang="ja-JP" dirty="0"/>
+          </a:p>
+          <a:p>
+            <a:pPr lvl="1"/>
+            <a:r>
+              <a:rPr lang="ja-JP" altLang="en-US" dirty="0"/>
+              <a:t>協</a:t>
+            </a:r>
+            <a:r>
+              <a:rPr lang="ja-JP" altLang="en-US" dirty="0" smtClean="0"/>
+              <a:t>議会のもとに本件に関する特別分科会</a:t>
             </a:r>
             <a:endParaRPr lang="en-US" altLang="ja-JP" dirty="0" smtClean="0"/>
           </a:p>
           <a:p>
             <a:pPr lvl="1"/>
             <a:r>
+              <a:rPr lang="ja-JP" altLang="en-US" dirty="0"/>
+              <a:t>汎用電子</a:t>
+            </a:r>
+            <a:r>
               <a:rPr lang="ja-JP" altLang="en-US" dirty="0" smtClean="0"/>
-              <a:t>大きな拡張性と将来性</a:t>
-            </a:r>
-            <a:endParaRPr lang="en-US" altLang="ja-JP" dirty="0" smtClean="0"/>
-          </a:p>
-          <a:p>
-            <a:pPr lvl="1"/>
-            <a:r>
-              <a:rPr lang="ja-JP" altLang="en-US" dirty="0"/>
-              <a:t>高度</a:t>
-            </a:r>
-            <a:r>
-              <a:rPr lang="ja-JP" altLang="en-US" dirty="0" smtClean="0"/>
-              <a:t>なセキュリティ対策</a:t>
-            </a:r>
-            <a:endParaRPr lang="en-US" altLang="ja-JP" dirty="0" smtClean="0"/>
-          </a:p>
-          <a:p>
-            <a:r>
-              <a:rPr lang="ja-JP" altLang="en-US" dirty="0" smtClean="0"/>
-              <a:t>開発フェーズ</a:t>
-            </a:r>
-            <a:endParaRPr lang="en-US" altLang="ja-JP" dirty="0" smtClean="0"/>
-          </a:p>
-          <a:p>
-            <a:pPr lvl="1"/>
+              <a:t>乗車券技術研究組合（</a:t>
+            </a:r>
             <a:r>
               <a:rPr lang="en-US" altLang="ja-JP" dirty="0" smtClean="0"/>
-              <a:t>1996</a:t>
-            </a:r>
-            <a:r>
-              <a:rPr lang="ja-JP" altLang="en-US" dirty="0" smtClean="0"/>
-              <a:t>年度の「非接触</a:t>
-            </a:r>
-            <a:r>
-              <a:rPr lang="ja-JP" altLang="en-US" dirty="0"/>
-              <a:t>自動</a:t>
-            </a:r>
-            <a:r>
-              <a:rPr lang="ja-JP" altLang="en-US" dirty="0" smtClean="0"/>
-              <a:t>改札システム」の開発</a:t>
-            </a:r>
-            <a:endParaRPr lang="en-US" altLang="ja-JP" dirty="0" smtClean="0"/>
-          </a:p>
-          <a:p>
-            <a:pPr lvl="1"/>
-            <a:r>
-              <a:rPr lang="en-US" altLang="ja-JP" dirty="0" smtClean="0"/>
-              <a:t>1998</a:t>
-            </a:r>
-            <a:r>
-              <a:rPr lang="ja-JP" altLang="en-US" dirty="0" smtClean="0"/>
-              <a:t>年度までの「共通乗車カードシステム」の開発</a:t>
-            </a:r>
-            <a:endParaRPr lang="en-US" altLang="ja-JP" dirty="0"/>
+              <a:t>TRAMET)</a:t>
+            </a:r>
           </a:p>
         </p:txBody>
       </p:sp>
@@ -6409,13 +7039,21 @@
     </p:spTree>
     <p:extLst>
       <p:ext uri="{BB962C8B-B14F-4D97-AF65-F5344CB8AC3E}">
-        <p14:creationId xmlns:p14="http://schemas.microsoft.com/office/powerpoint/2010/main" val="3408696783"/>
+        <p14:creationId xmlns:p14="http://schemas.microsoft.com/office/powerpoint/2010/main" val="456741462"/>
       </p:ext>
     </p:extLst>
   </p:cSld>
   <p:clrMapOvr>
     <a:masterClrMapping/>
   </p:clrMapOvr>
+  <mc:AlternateContent xmlns:mc="http://schemas.openxmlformats.org/markup-compatibility/2006">
+    <mc:Choice xmlns:p14="http://schemas.microsoft.com/office/powerpoint/2010/main" Requires="p14">
+      <p:transition spd="slow" p14:dur="2000"/>
+    </mc:Choice>
+    <mc:Fallback>
+      <p:transition spd="slow"/>
+    </mc:Fallback>
+  </mc:AlternateContent>
   <p:timing>
     <p:tnLst>
       <p:par>
@@ -6427,7 +7065,7 @@
 </file>
 
 <file path=ppt/slides/slide9.xml><?xml version="1.0" encoding="utf-8"?>
-<p:sld xmlns:a="http://schemas.openxmlformats.org/drawingml/2006/main" xmlns:r="http://schemas.openxmlformats.org/officeDocument/2006/relationships" xmlns:p="http://schemas.openxmlformats.org/presentationml/2006/main">
+<p:sld xmlns:a="http://schemas.openxmlformats.org/drawingml/2006/main" xmlns:r="http://schemas.openxmlformats.org/officeDocument/2006/relationships" xmlns:p="http://schemas.openxmlformats.org/presentationml/2006/main" show="0">
   <p:cSld>
     <p:spTree>
       <p:nvGrpSpPr>
@@ -6460,7 +7098,7 @@
           <a:p>
             <a:r>
               <a:rPr kumimoji="1" lang="ja-JP" altLang="en-US" dirty="0" smtClean="0"/>
-              <a:t>コミュニケーション計画</a:t>
+              <a:t>スコープ</a:t>
             </a:r>
             <a:endParaRPr kumimoji="1" lang="ja-JP" altLang="en-US" dirty="0"/>
           </a:p>
@@ -6483,68 +7121,92 @@
           <a:p>
             <a:r>
               <a:rPr kumimoji="1" lang="ja-JP" altLang="en-US" dirty="0" smtClean="0"/>
-              <a:t>汎用電子乗車券技術研究組合に，</a:t>
-            </a:r>
+              <a:t>開発コンセプト</a:t>
+            </a:r>
+            <a:endParaRPr kumimoji="1" lang="en-US" altLang="ja-JP" dirty="0" smtClean="0"/>
+          </a:p>
+          <a:p>
+            <a:pPr lvl="1"/>
             <a:r>
               <a:rPr lang="ja-JP" altLang="en-US" dirty="0"/>
-              <a:t>汎用電子乗車券開発検討委員会，日本鉄道サイバネスティクス</a:t>
+              <a:t>顧客</a:t>
             </a:r>
             <a:r>
               <a:rPr lang="ja-JP" altLang="en-US" dirty="0" smtClean="0"/>
-              <a:t>協議会から</a:t>
-            </a:r>
+              <a:t>利便性の向上</a:t>
+            </a:r>
+            <a:endParaRPr lang="en-US" altLang="ja-JP" dirty="0" smtClean="0"/>
+          </a:p>
+          <a:p>
+            <a:pPr lvl="1"/>
+            <a:r>
+              <a:rPr lang="ja-JP" altLang="en-US" dirty="0"/>
+              <a:t>処理</a:t>
+            </a:r>
+            <a:r>
+              <a:rPr lang="ja-JP" altLang="en-US" dirty="0" smtClean="0"/>
+              <a:t>能力の向上</a:t>
+            </a:r>
+            <a:endParaRPr lang="en-US" altLang="ja-JP" dirty="0" smtClean="0"/>
+          </a:p>
+          <a:p>
+            <a:pPr lvl="1"/>
+            <a:r>
+              <a:rPr lang="ja-JP" altLang="en-US" dirty="0" smtClean="0"/>
+              <a:t>大きな拡張性と将来性</a:t>
+            </a:r>
+            <a:endParaRPr lang="en-US" altLang="ja-JP" dirty="0" smtClean="0"/>
+          </a:p>
+          <a:p>
+            <a:pPr lvl="1"/>
+            <a:r>
+              <a:rPr lang="ja-JP" altLang="en-US" dirty="0"/>
+              <a:t>高度</a:t>
+            </a:r>
+            <a:r>
+              <a:rPr lang="ja-JP" altLang="en-US" dirty="0" smtClean="0"/>
+              <a:t>なセキュリティ対策</a:t>
+            </a:r>
+            <a:endParaRPr lang="en-US" altLang="ja-JP" dirty="0" smtClean="0"/>
+          </a:p>
+          <a:p>
+            <a:r>
+              <a:rPr lang="ja-JP" altLang="en-US" dirty="0" smtClean="0"/>
+              <a:t>開発フェーズ</a:t>
+            </a:r>
+            <a:endParaRPr lang="en-US" altLang="ja-JP" dirty="0" smtClean="0"/>
+          </a:p>
+          <a:p>
+            <a:pPr lvl="1"/>
             <a:r>
               <a:rPr lang="en-US" altLang="ja-JP" dirty="0" smtClean="0"/>
-              <a:t>PM</a:t>
+              <a:t>1996</a:t>
             </a:r>
             <a:r>
               <a:rPr lang="ja-JP" altLang="en-US" dirty="0" smtClean="0"/>
-              <a:t>が参加することで全体のプロジェクト　　として統合</a:t>
+              <a:t>年度の「非接触</a:t>
+            </a:r>
+            <a:r>
+              <a:rPr lang="ja-JP" altLang="en-US" dirty="0"/>
+              <a:t>自動</a:t>
+            </a:r>
+            <a:r>
+              <a:rPr lang="ja-JP" altLang="en-US" dirty="0" smtClean="0"/>
+              <a:t>改札システム」の開発</a:t>
             </a:r>
             <a:endParaRPr lang="en-US" altLang="ja-JP" dirty="0" smtClean="0"/>
           </a:p>
           <a:p>
             <a:pPr lvl="1"/>
             <a:r>
-              <a:rPr kumimoji="1" lang="en-US" altLang="ja-JP" dirty="0"/>
-              <a:t>3</a:t>
-            </a:r>
-            <a:r>
-              <a:rPr kumimoji="1" lang="ja-JP" altLang="en-US" dirty="0" smtClean="0"/>
-              <a:t>年間，独自にほぼ毎月相互に意見交換を行った</a:t>
-            </a:r>
-            <a:endParaRPr lang="en-US" altLang="ja-JP" dirty="0" smtClean="0"/>
-          </a:p>
-          <a:p>
-            <a:r>
-              <a:rPr kumimoji="1" lang="ja-JP" altLang="en-US" dirty="0"/>
-              <a:t>汎用電子</a:t>
-            </a:r>
-            <a:r>
-              <a:rPr kumimoji="1" lang="ja-JP" altLang="en-US" dirty="0" smtClean="0"/>
-              <a:t>乗車券技術研究組合に参加した全組合員は，</a:t>
-            </a:r>
-            <a:r>
-              <a:rPr kumimoji="1" lang="en-US" altLang="ja-JP" dirty="0" smtClean="0"/>
-              <a:t>1</a:t>
-            </a:r>
-            <a:r>
-              <a:rPr kumimoji="1" lang="ja-JP" altLang="en-US" dirty="0" smtClean="0"/>
-              <a:t>つ以上の研究部会に所属</a:t>
-            </a:r>
-            <a:endParaRPr kumimoji="1" lang="en-US" altLang="ja-JP" dirty="0" smtClean="0"/>
-          </a:p>
-          <a:p>
-            <a:pPr lvl="1"/>
-            <a:r>
-              <a:rPr lang="ja-JP" altLang="en-US" dirty="0"/>
-              <a:t>研究</a:t>
+              <a:rPr lang="en-US" altLang="ja-JP" dirty="0" smtClean="0"/>
+              <a:t>1998</a:t>
             </a:r>
             <a:r>
               <a:rPr lang="ja-JP" altLang="en-US" dirty="0" smtClean="0"/>
-              <a:t>部会同士の情報交換をタスクフォースの形で行う</a:t>
-            </a:r>
-            <a:endParaRPr kumimoji="1" lang="en-US" altLang="ja-JP" dirty="0" smtClean="0"/>
+              <a:t>年度までの「共通乗車カードシステム」の開発</a:t>
+            </a:r>
+            <a:endParaRPr lang="en-US" altLang="ja-JP" dirty="0"/>
           </a:p>
         </p:txBody>
       </p:sp>
@@ -6574,13 +7236,21 @@
     </p:spTree>
     <p:extLst>
       <p:ext uri="{BB962C8B-B14F-4D97-AF65-F5344CB8AC3E}">
-        <p14:creationId xmlns:p14="http://schemas.microsoft.com/office/powerpoint/2010/main" val="3718307430"/>
+        <p14:creationId xmlns:p14="http://schemas.microsoft.com/office/powerpoint/2010/main" val="3408696783"/>
       </p:ext>
     </p:extLst>
   </p:cSld>
   <p:clrMapOvr>
     <a:masterClrMapping/>
   </p:clrMapOvr>
+  <mc:AlternateContent xmlns:mc="http://schemas.openxmlformats.org/markup-compatibility/2006">
+    <mc:Choice xmlns:p14="http://schemas.microsoft.com/office/powerpoint/2010/main" Requires="p14">
+      <p:transition spd="slow" p14:dur="2000"/>
+    </mc:Choice>
+    <mc:Fallback>
+      <p:transition spd="slow"/>
+    </mc:Fallback>
+  </mc:AlternateContent>
   <p:timing>
     <p:tnLst>
       <p:par>
@@ -6868,7 +7538,7 @@
   <a:extraClrSchemeLst/>
   <a:extLst>
     <a:ext uri="{05A4C25C-085E-4340-85A3-A5531E510DB2}">
-      <thm15:themeFamily xmlns:thm15="http://schemas.microsoft.com/office/thememl/2012/main" name="Retrospect" id="{5F128B03-DCCA-4EEB-AB3B-CF2899314A46}" vid="{3F1AAB62-24C6-49D2-8E01-B56FAC9A3DCD}"/>
+      <thm15:themeFamily xmlns:thm15="http://schemas.microsoft.com/office/thememl/2012/main" xmlns="" name="Retrospect" id="{5F128B03-DCCA-4EEB-AB3B-CF2899314A46}" vid="{3F1AAB62-24C6-49D2-8E01-B56FAC9A3DCD}"/>
     </a:ext>
   </a:extLst>
 </a:theme>
@@ -7129,8 +7799,293 @@
   <a:extraClrSchemeLst/>
   <a:extLst>
     <a:ext uri="{05A4C25C-085E-4340-85A3-A5531E510DB2}">
-      <thm15:themeFamily xmlns:thm15="http://schemas.microsoft.com/office/thememl/2012/main" name="Office Theme" id="{62F939B6-93AF-4DB8-9C6B-D6C7DFDC589F}" vid="{4A3C46E8-61CC-4603-A589-7422A47A8E4A}"/>
+      <thm15:themeFamily xmlns:thm15="http://schemas.microsoft.com/office/thememl/2012/main" xmlns="" name="Office Theme" id="{62F939B6-93AF-4DB8-9C6B-D6C7DFDC589F}" vid="{4A3C46E8-61CC-4603-A589-7422A47A8E4A}"/>
     </a:ext>
   </a:extLst>
 </a:theme>
+</file>
+
+<file path=ppt/theme/theme3.xml><?xml version="1.0" encoding="utf-8"?>
+<a:theme xmlns:a="http://schemas.openxmlformats.org/drawingml/2006/main" name="Office ​​テーマ">
+  <a:themeElements>
+    <a:clrScheme name="Office">
+      <a:dk1>
+        <a:sysClr val="windowText" lastClr="000000"/>
+      </a:dk1>
+      <a:lt1>
+        <a:sysClr val="window" lastClr="FFFFFF"/>
+      </a:lt1>
+      <a:dk2>
+        <a:srgbClr val="1F497D"/>
+      </a:dk2>
+      <a:lt2>
+        <a:srgbClr val="EEECE1"/>
+      </a:lt2>
+      <a:accent1>
+        <a:srgbClr val="4F81BD"/>
+      </a:accent1>
+      <a:accent2>
+        <a:srgbClr val="C0504D"/>
+      </a:accent2>
+      <a:accent3>
+        <a:srgbClr val="9BBB59"/>
+      </a:accent3>
+      <a:accent4>
+        <a:srgbClr val="8064A2"/>
+      </a:accent4>
+      <a:accent5>
+        <a:srgbClr val="4BACC6"/>
+      </a:accent5>
+      <a:accent6>
+        <a:srgbClr val="F79646"/>
+      </a:accent6>
+      <a:hlink>
+        <a:srgbClr val="0000FF"/>
+      </a:hlink>
+      <a:folHlink>
+        <a:srgbClr val="800080"/>
+      </a:folHlink>
+    </a:clrScheme>
+    <a:fontScheme name="Office">
+      <a:majorFont>
+        <a:latin typeface="Calibri"/>
+        <a:ea typeface=""/>
+        <a:cs typeface=""/>
+        <a:font script="Jpan" typeface="ＭＳ Ｐゴシック"/>
+        <a:font script="Hang" typeface="맑은 고딕"/>
+        <a:font script="Hans" typeface="宋体"/>
+        <a:font script="Hant" typeface="新細明體"/>
+        <a:font script="Arab" typeface="Times New Roman"/>
+        <a:font script="Hebr" typeface="Times New Roman"/>
+        <a:font script="Thai" typeface="Angsana New"/>
+        <a:font script="Ethi" typeface="Nyala"/>
+        <a:font script="Beng" typeface="Vrinda"/>
+        <a:font script="Gujr" typeface="Shruti"/>
+        <a:font script="Khmr" typeface="MoolBoran"/>
+        <a:font script="Knda" typeface="Tunga"/>
+        <a:font script="Guru" typeface="Raavi"/>
+        <a:font script="Cans" typeface="Euphemia"/>
+        <a:font script="Cher" typeface="Plantagenet Cherokee"/>
+        <a:font script="Yiii" typeface="Microsoft Yi Baiti"/>
+        <a:font script="Tibt" typeface="Microsoft Himalaya"/>
+        <a:font script="Thaa" typeface="MV Boli"/>
+        <a:font script="Deva" typeface="Mangal"/>
+        <a:font script="Telu" typeface="Gautami"/>
+        <a:font script="Taml" typeface="Latha"/>
+        <a:font script="Syrc" typeface="Estrangelo Edessa"/>
+        <a:font script="Orya" typeface="Kalinga"/>
+        <a:font script="Mlym" typeface="Kartika"/>
+        <a:font script="Laoo" typeface="DokChampa"/>
+        <a:font script="Sinh" typeface="Iskoola Pota"/>
+        <a:font script="Mong" typeface="Mongolian Baiti"/>
+        <a:font script="Viet" typeface="Times New Roman"/>
+        <a:font script="Uigh" typeface="Microsoft Uighur"/>
+        <a:font script="Geor" typeface="Sylfaen"/>
+      </a:majorFont>
+      <a:minorFont>
+        <a:latin typeface="Calibri"/>
+        <a:ea typeface=""/>
+        <a:cs typeface=""/>
+        <a:font script="Jpan" typeface="ＭＳ Ｐゴシック"/>
+        <a:font script="Hang" typeface="맑은 고딕"/>
+        <a:font script="Hans" typeface="宋体"/>
+        <a:font script="Hant" typeface="新細明體"/>
+        <a:font script="Arab" typeface="Arial"/>
+        <a:font script="Hebr" typeface="Arial"/>
+        <a:font script="Thai" typeface="Cordia New"/>
+        <a:font script="Ethi" typeface="Nyala"/>
+        <a:font script="Beng" typeface="Vrinda"/>
+        <a:font script="Gujr" typeface="Shruti"/>
+        <a:font script="Khmr" typeface="DaunPenh"/>
+        <a:font script="Knda" typeface="Tunga"/>
+        <a:font script="Guru" typeface="Raavi"/>
+        <a:font script="Cans" typeface="Euphemia"/>
+        <a:font script="Cher" typeface="Plantagenet Cherokee"/>
+        <a:font script="Yiii" typeface="Microsoft Yi Baiti"/>
+        <a:font script="Tibt" typeface="Microsoft Himalaya"/>
+        <a:font script="Thaa" typeface="MV Boli"/>
+        <a:font script="Deva" typeface="Mangal"/>
+        <a:font script="Telu" typeface="Gautami"/>
+        <a:font script="Taml" typeface="Latha"/>
+        <a:font script="Syrc" typeface="Estrangelo Edessa"/>
+        <a:font script="Orya" typeface="Kalinga"/>
+        <a:font script="Mlym" typeface="Kartika"/>
+        <a:font script="Laoo" typeface="DokChampa"/>
+        <a:font script="Sinh" typeface="Iskoola Pota"/>
+        <a:font script="Mong" typeface="Mongolian Baiti"/>
+        <a:font script="Viet" typeface="Arial"/>
+        <a:font script="Uigh" typeface="Microsoft Uighur"/>
+        <a:font script="Geor" typeface="Sylfaen"/>
+      </a:minorFont>
+    </a:fontScheme>
+    <a:fmtScheme name="Office">
+      <a:fillStyleLst>
+        <a:solidFill>
+          <a:schemeClr val="phClr"/>
+        </a:solidFill>
+        <a:gradFill rotWithShape="1">
+          <a:gsLst>
+            <a:gs pos="0">
+              <a:schemeClr val="phClr">
+                <a:tint val="50000"/>
+                <a:satMod val="300000"/>
+              </a:schemeClr>
+            </a:gs>
+            <a:gs pos="35000">
+              <a:schemeClr val="phClr">
+                <a:tint val="37000"/>
+                <a:satMod val="300000"/>
+              </a:schemeClr>
+            </a:gs>
+            <a:gs pos="100000">
+              <a:schemeClr val="phClr">
+                <a:tint val="15000"/>
+                <a:satMod val="350000"/>
+              </a:schemeClr>
+            </a:gs>
+          </a:gsLst>
+          <a:lin ang="16200000" scaled="1"/>
+        </a:gradFill>
+        <a:gradFill rotWithShape="1">
+          <a:gsLst>
+            <a:gs pos="0">
+              <a:schemeClr val="phClr">
+                <a:shade val="51000"/>
+                <a:satMod val="130000"/>
+              </a:schemeClr>
+            </a:gs>
+            <a:gs pos="80000">
+              <a:schemeClr val="phClr">
+                <a:shade val="93000"/>
+                <a:satMod val="130000"/>
+              </a:schemeClr>
+            </a:gs>
+            <a:gs pos="100000">
+              <a:schemeClr val="phClr">
+                <a:shade val="94000"/>
+                <a:satMod val="135000"/>
+              </a:schemeClr>
+            </a:gs>
+          </a:gsLst>
+          <a:lin ang="16200000" scaled="0"/>
+        </a:gradFill>
+      </a:fillStyleLst>
+      <a:lnStyleLst>
+        <a:ln w="9525" cap="flat" cmpd="sng" algn="ctr">
+          <a:solidFill>
+            <a:schemeClr val="phClr">
+              <a:shade val="95000"/>
+              <a:satMod val="105000"/>
+            </a:schemeClr>
+          </a:solidFill>
+          <a:prstDash val="solid"/>
+        </a:ln>
+        <a:ln w="25400" cap="flat" cmpd="sng" algn="ctr">
+          <a:solidFill>
+            <a:schemeClr val="phClr"/>
+          </a:solidFill>
+          <a:prstDash val="solid"/>
+        </a:ln>
+        <a:ln w="38100" cap="flat" cmpd="sng" algn="ctr">
+          <a:solidFill>
+            <a:schemeClr val="phClr"/>
+          </a:solidFill>
+          <a:prstDash val="solid"/>
+        </a:ln>
+      </a:lnStyleLst>
+      <a:effectStyleLst>
+        <a:effectStyle>
+          <a:effectLst>
+            <a:outerShdw blurRad="40000" dist="20000" dir="5400000" rotWithShape="0">
+              <a:srgbClr val="000000">
+                <a:alpha val="38000"/>
+              </a:srgbClr>
+            </a:outerShdw>
+          </a:effectLst>
+        </a:effectStyle>
+        <a:effectStyle>
+          <a:effectLst>
+            <a:outerShdw blurRad="40000" dist="23000" dir="5400000" rotWithShape="0">
+              <a:srgbClr val="000000">
+                <a:alpha val="35000"/>
+              </a:srgbClr>
+            </a:outerShdw>
+          </a:effectLst>
+        </a:effectStyle>
+        <a:effectStyle>
+          <a:effectLst>
+            <a:outerShdw blurRad="40000" dist="23000" dir="5400000" rotWithShape="0">
+              <a:srgbClr val="000000">
+                <a:alpha val="35000"/>
+              </a:srgbClr>
+            </a:outerShdw>
+          </a:effectLst>
+          <a:scene3d>
+            <a:camera prst="orthographicFront">
+              <a:rot lat="0" lon="0" rev="0"/>
+            </a:camera>
+            <a:lightRig rig="threePt" dir="t">
+              <a:rot lat="0" lon="0" rev="1200000"/>
+            </a:lightRig>
+          </a:scene3d>
+          <a:sp3d>
+            <a:bevelT w="63500" h="25400"/>
+          </a:sp3d>
+        </a:effectStyle>
+      </a:effectStyleLst>
+      <a:bgFillStyleLst>
+        <a:solidFill>
+          <a:schemeClr val="phClr"/>
+        </a:solidFill>
+        <a:gradFill rotWithShape="1">
+          <a:gsLst>
+            <a:gs pos="0">
+              <a:schemeClr val="phClr">
+                <a:tint val="40000"/>
+                <a:satMod val="350000"/>
+              </a:schemeClr>
+            </a:gs>
+            <a:gs pos="40000">
+              <a:schemeClr val="phClr">
+                <a:tint val="45000"/>
+                <a:shade val="99000"/>
+                <a:satMod val="350000"/>
+              </a:schemeClr>
+            </a:gs>
+            <a:gs pos="100000">
+              <a:schemeClr val="phClr">
+                <a:shade val="20000"/>
+                <a:satMod val="255000"/>
+              </a:schemeClr>
+            </a:gs>
+          </a:gsLst>
+          <a:path path="circle">
+            <a:fillToRect l="50000" t="-80000" r="50000" b="180000"/>
+          </a:path>
+        </a:gradFill>
+        <a:gradFill rotWithShape="1">
+          <a:gsLst>
+            <a:gs pos="0">
+              <a:schemeClr val="phClr">
+                <a:tint val="80000"/>
+                <a:satMod val="300000"/>
+              </a:schemeClr>
+            </a:gs>
+            <a:gs pos="100000">
+              <a:schemeClr val="phClr">
+                <a:shade val="30000"/>
+                <a:satMod val="200000"/>
+              </a:schemeClr>
+            </a:gs>
+          </a:gsLst>
+          <a:path path="circle">
+            <a:fillToRect l="50000" t="50000" r="50000" b="50000"/>
+          </a:path>
+        </a:gradFill>
+      </a:bgFillStyleLst>
+    </a:fmtScheme>
+  </a:themeElements>
+  <a:objectDefaults/>
+  <a:extraClrSchemeLst/>
+</a:theme>
 </file>
--- a/ゼミ1/j04/1342082.pptx
+++ b/ゼミ1/j04/1342082.pptx
@@ -1,30 +1,26 @@
 
 <file path=ppt/presentation.xml><?xml version="1.0" encoding="utf-8"?>
-<p:presentation xmlns:a="http://schemas.openxmlformats.org/drawingml/2006/main" xmlns:r="http://schemas.openxmlformats.org/officeDocument/2006/relationships" xmlns:p="http://schemas.openxmlformats.org/presentationml/2006/main" saveSubsetFonts="1">
+<p:presentation xmlns:a="http://schemas.openxmlformats.org/drawingml/2006/main" xmlns:r="http://schemas.openxmlformats.org/officeDocument/2006/relationships" xmlns:p="http://schemas.openxmlformats.org/presentationml/2006/main" showSpecialPlsOnTitleSld="0" saveSubsetFonts="1">
   <p:sldMasterIdLst>
     <p:sldMasterId id="2147483714" r:id="rId1"/>
   </p:sldMasterIdLst>
   <p:notesMasterIdLst>
-    <p:notesMasterId r:id="rId16"/>
+    <p:notesMasterId r:id="rId12"/>
   </p:notesMasterIdLst>
   <p:handoutMasterIdLst>
-    <p:handoutMasterId r:id="rId17"/>
+    <p:handoutMasterId r:id="rId13"/>
   </p:handoutMasterIdLst>
   <p:sldIdLst>
     <p:sldId id="256" r:id="rId2"/>
-    <p:sldId id="261" r:id="rId3"/>
-    <p:sldId id="262" r:id="rId4"/>
-    <p:sldId id="258" r:id="rId5"/>
-    <p:sldId id="263" r:id="rId6"/>
-    <p:sldId id="264" r:id="rId7"/>
-    <p:sldId id="270" r:id="rId8"/>
-    <p:sldId id="265" r:id="rId9"/>
-    <p:sldId id="266" r:id="rId10"/>
-    <p:sldId id="267" r:id="rId11"/>
-    <p:sldId id="271" r:id="rId12"/>
-    <p:sldId id="272" r:id="rId13"/>
-    <p:sldId id="268" r:id="rId14"/>
-    <p:sldId id="269" r:id="rId15"/>
+    <p:sldId id="272" r:id="rId3"/>
+    <p:sldId id="261" r:id="rId4"/>
+    <p:sldId id="262" r:id="rId5"/>
+    <p:sldId id="258" r:id="rId6"/>
+    <p:sldId id="263" r:id="rId7"/>
+    <p:sldId id="264" r:id="rId8"/>
+    <p:sldId id="270" r:id="rId9"/>
+    <p:sldId id="269" r:id="rId10"/>
+    <p:sldId id="271" r:id="rId11"/>
   </p:sldIdLst>
   <p:sldSz cx="12192000" cy="6858000"/>
   <p:notesSz cx="6735763" cy="9869488"/>
@@ -125,7 +121,18 @@
   </p:defaultTextStyle>
   <p:extLst>
     <p:ext uri="{EFAFB233-063F-42B5-8137-9DF3F51BA10A}">
-      <p15:sldGuideLst xmlns:p15="http://schemas.microsoft.com/office/powerpoint/2012/main" xmlns=""/>
+      <p15:sldGuideLst xmlns:p15="http://schemas.microsoft.com/office/powerpoint/2012/main">
+        <p15:guide id="1" orient="horz" pos="2160">
+          <p15:clr>
+            <a:srgbClr val="A4A3A4"/>
+          </p15:clr>
+        </p15:guide>
+        <p15:guide id="2" pos="3840">
+          <p15:clr>
+            <a:srgbClr val="A4A3A4"/>
+          </p15:clr>
+        </p15:guide>
+      </p15:sldGuideLst>
     </p:ext>
   </p:extLst>
 </p:presentation>
@@ -213,7 +220,7 @@
           <a:p>
             <a:fld id="{5A7FE297-AC44-47CF-9B1C-7BE84A4C1C33}" type="datetimeFigureOut">
               <a:rPr kumimoji="1" lang="ja-JP" altLang="en-US" smtClean="0"/>
-              <a:t>2015/5/21</a:t>
+              <a:t>2015/5/28</a:t>
             </a:fld>
             <a:endParaRPr kumimoji="1" lang="ja-JP" altLang="en-US"/>
           </a:p>
@@ -378,7 +385,7 @@
           <a:p>
             <a:fld id="{9F19A621-E157-42C2-8C3B-253FBD15FDBF}" type="datetimeFigureOut">
               <a:rPr kumimoji="1" lang="ja-JP" altLang="en-US" smtClean="0"/>
-              <a:t>2015/5/21</a:t>
+              <a:t>2015/5/28</a:t>
             </a:fld>
             <a:endParaRPr kumimoji="1" lang="ja-JP" altLang="en-US"/>
           </a:p>
@@ -986,9 +993,9 @@
           <a:bodyPr/>
           <a:lstStyle/>
           <a:p>
-            <a:fld id="{8CB8C688-C3C3-4EF7-A021-32367C9477E8}" type="datetime1">
+            <a:fld id="{493F4FE5-87EB-4FEE-B986-FB44D8B1D322}" type="datetime1">
               <a:rPr kumimoji="1" lang="ja-JP" altLang="en-US" smtClean="0"/>
-              <a:t>2015/5/21</a:t>
+              <a:t>2015/5/28</a:t>
             </a:fld>
             <a:endParaRPr kumimoji="1" lang="ja-JP" altLang="en-US"/>
           </a:p>
@@ -1238,9 +1245,9 @@
           <a:bodyPr/>
           <a:lstStyle/>
           <a:p>
-            <a:fld id="{49F22E77-A4FA-467B-B454-F4438875AAE5}" type="datetime1">
+            <a:fld id="{E84868B0-E9E3-4631-BE05-8C70B5895FCD}" type="datetime1">
               <a:rPr kumimoji="1" lang="ja-JP" altLang="en-US" smtClean="0"/>
-              <a:t>2015/5/21</a:t>
+              <a:t>2015/5/28</a:t>
             </a:fld>
             <a:endParaRPr kumimoji="1" lang="ja-JP" altLang="en-US"/>
           </a:p>
@@ -1526,9 +1533,9 @@
           <a:bodyPr/>
           <a:lstStyle/>
           <a:p>
-            <a:fld id="{E4BE9F2D-96BB-4580-8F9E-6E6614BB76AF}" type="datetime1">
+            <a:fld id="{923B52C0-D342-4764-B6D8-2FDB0BDDC76F}" type="datetime1">
               <a:rPr kumimoji="1" lang="ja-JP" altLang="en-US" smtClean="0"/>
-              <a:t>2015/5/21</a:t>
+              <a:t>2015/5/28</a:t>
             </a:fld>
             <a:endParaRPr kumimoji="1" lang="ja-JP" altLang="en-US"/>
           </a:p>
@@ -1741,9 +1748,9 @@
           <a:bodyPr/>
           <a:lstStyle/>
           <a:p>
-            <a:fld id="{BBCAB3ED-025B-417F-A3F1-5A0678430C3C}" type="datetime1">
+            <a:fld id="{9CF9EAA5-A2D5-47B5-808D-FDA1C4920B5E}" type="datetime1">
               <a:rPr kumimoji="1" lang="ja-JP" altLang="en-US" smtClean="0"/>
-              <a:t>2015/5/21</a:t>
+              <a:t>2015/5/28</a:t>
             </a:fld>
             <a:endParaRPr kumimoji="1" lang="ja-JP" altLang="en-US"/>
           </a:p>
@@ -2091,9 +2098,9 @@
           <a:bodyPr/>
           <a:lstStyle/>
           <a:p>
-            <a:fld id="{C914570E-BEB2-489D-91A2-649CA2A05348}" type="datetime1">
+            <a:fld id="{6601A478-E045-4BED-A679-A5EF76D95C63}" type="datetime1">
               <a:rPr kumimoji="1" lang="ja-JP" altLang="en-US" smtClean="0"/>
-              <a:t>2015/5/21</a:t>
+              <a:t>2015/5/28</a:t>
             </a:fld>
             <a:endParaRPr kumimoji="1" lang="ja-JP" altLang="en-US"/>
           </a:p>
@@ -2437,9 +2444,9 @@
           <a:bodyPr/>
           <a:lstStyle/>
           <a:p>
-            <a:fld id="{82126375-AE88-487D-A237-5FCAF976866F}" type="datetime1">
+            <a:fld id="{C07FB18C-E142-4916-AE91-1CDD10F34444}" type="datetime1">
               <a:rPr kumimoji="1" lang="ja-JP" altLang="en-US" smtClean="0"/>
-              <a:t>2015/5/21</a:t>
+              <a:t>2015/5/28</a:t>
             </a:fld>
             <a:endParaRPr kumimoji="1" lang="ja-JP" altLang="en-US"/>
           </a:p>
@@ -2880,9 +2887,9 @@
           <a:bodyPr/>
           <a:lstStyle/>
           <a:p>
-            <a:fld id="{BAF26DAD-0E00-4D80-90CD-D5644B80B3FE}" type="datetime1">
+            <a:fld id="{35526E38-44F9-4894-B5CD-CF6E602DE711}" type="datetime1">
               <a:rPr kumimoji="1" lang="ja-JP" altLang="en-US" smtClean="0"/>
-              <a:t>2015/5/21</a:t>
+              <a:t>2015/5/28</a:t>
             </a:fld>
             <a:endParaRPr kumimoji="1" lang="ja-JP" altLang="en-US"/>
           </a:p>
@@ -2998,9 +3005,9 @@
           <a:bodyPr/>
           <a:lstStyle/>
           <a:p>
-            <a:fld id="{4A9DEFF7-7431-441E-84A4-C14930BBF719}" type="datetime1">
+            <a:fld id="{86B11806-9664-4D42-982E-6DF894543A3C}" type="datetime1">
               <a:rPr kumimoji="1" lang="ja-JP" altLang="en-US" smtClean="0"/>
-              <a:t>2015/5/21</a:t>
+              <a:t>2015/5/28</a:t>
             </a:fld>
             <a:endParaRPr kumimoji="1" lang="ja-JP" altLang="en-US"/>
           </a:p>
@@ -3169,9 +3176,9 @@
           <a:bodyPr/>
           <a:lstStyle/>
           <a:p>
-            <a:fld id="{35BBE91E-7D8C-4D0B-96E6-4513283CE958}" type="datetime1">
+            <a:fld id="{BF53285D-F6E0-4872-A1C4-C43A08E5CE4B}" type="datetime1">
               <a:rPr kumimoji="1" lang="ja-JP" altLang="en-US" smtClean="0"/>
-              <a:t>2015/5/21</a:t>
+              <a:t>2015/5/28</a:t>
             </a:fld>
             <a:endParaRPr kumimoji="1" lang="ja-JP" altLang="en-US"/>
           </a:p>
@@ -3555,9 +3562,9 @@
             </a:lvl1pPr>
           </a:lstStyle>
           <a:p>
-            <a:fld id="{3393285D-3E32-48C7-8B6E-027F5D6C992C}" type="datetime1">
+            <a:fld id="{57EF0C61-417F-4D74-8812-F6F62D230326}" type="datetime1">
               <a:rPr kumimoji="1" lang="ja-JP" altLang="en-US" smtClean="0"/>
-              <a:t>2015/5/21</a:t>
+              <a:t>2015/5/28</a:t>
             </a:fld>
             <a:endParaRPr kumimoji="1" lang="ja-JP" altLang="en-US"/>
           </a:p>
@@ -3937,9 +3944,9 @@
           <a:bodyPr/>
           <a:lstStyle/>
           <a:p>
-            <a:fld id="{C4C49C19-24EE-4419-9DD2-C9A40EAF339F}" type="datetime1">
+            <a:fld id="{B64EF7DC-D18C-40B8-9FD9-6FEF6C3A9C42}" type="datetime1">
               <a:rPr kumimoji="1" lang="ja-JP" altLang="en-US" smtClean="0"/>
-              <a:t>2015/5/21</a:t>
+              <a:t>2015/5/28</a:t>
             </a:fld>
             <a:endParaRPr kumimoji="1" lang="ja-JP" altLang="en-US"/>
           </a:p>
@@ -4256,9 +4263,9 @@
             </a:lvl1pPr>
           </a:lstStyle>
           <a:p>
-            <a:fld id="{3F715B86-4CC9-4188-9616-7FD5278BF317}" type="datetime1">
+            <a:fld id="{03B6EA41-A581-4A35-B4A9-4544B0804832}" type="datetime1">
               <a:rPr kumimoji="1" lang="ja-JP" altLang="en-US" smtClean="0"/>
-              <a:t>2015/5/21</a:t>
+              <a:t>2015/5/28</a:t>
             </a:fld>
             <a:endParaRPr kumimoji="1" lang="ja-JP" altLang="en-US"/>
           </a:p>
@@ -4863,29 +4870,6 @@
           </a:p>
         </p:txBody>
       </p:sp>
-      <p:sp>
-        <p:nvSpPr>
-          <p:cNvPr id="4" name="スライド番号プレースホルダー 3"/>
-          <p:cNvSpPr>
-            <a:spLocks noGrp="1"/>
-          </p:cNvSpPr>
-          <p:nvPr>
-            <p:ph type="sldNum" sz="quarter" idx="12"/>
-          </p:nvPr>
-        </p:nvSpPr>
-        <p:spPr/>
-        <p:txBody>
-          <a:bodyPr/>
-          <a:lstStyle/>
-          <a:p>
-            <a:fld id="{A4E6642C-D3C9-4DC2-8962-09BE970CAC7A}" type="slidenum">
-              <a:rPr kumimoji="1" lang="ja-JP" altLang="en-US" sz="2000" smtClean="0"/>
-              <a:t>1</a:t>
-            </a:fld>
-            <a:endParaRPr kumimoji="1" lang="ja-JP" altLang="en-US" sz="2000" dirty="0"/>
-          </a:p>
-        </p:txBody>
-      </p:sp>
     </p:spTree>
     <p:extLst>
       <p:ext uri="{BB962C8B-B14F-4D97-AF65-F5344CB8AC3E}">
@@ -4940,7 +4924,7 @@
           <a:p>
             <a:r>
               <a:rPr kumimoji="1" lang="ja-JP" altLang="en-US" dirty="0" smtClean="0"/>
-              <a:t>コミュニケーション計画</a:t>
+              <a:t>今回の事例で学んだこと</a:t>
             </a:r>
             <a:endParaRPr kumimoji="1" lang="ja-JP" altLang="en-US" dirty="0"/>
           </a:p>
@@ -4963,68 +4947,12 @@
           <a:p>
             <a:r>
               <a:rPr kumimoji="1" lang="ja-JP" altLang="en-US" dirty="0" smtClean="0"/>
-              <a:t>汎用電子乗車券技術研究組合に，</a:t>
-            </a:r>
-            <a:r>
-              <a:rPr lang="ja-JP" altLang="en-US" dirty="0"/>
-              <a:t>汎用電子乗車券開発検討委員会，日本鉄道サイバネスティクス</a:t>
-            </a:r>
-            <a:r>
-              <a:rPr lang="ja-JP" altLang="en-US" dirty="0" smtClean="0"/>
-              <a:t>協議会から</a:t>
-            </a:r>
-            <a:r>
-              <a:rPr lang="en-US" altLang="ja-JP" dirty="0" smtClean="0"/>
-              <a:t>PM</a:t>
-            </a:r>
-            <a:r>
-              <a:rPr lang="ja-JP" altLang="en-US" dirty="0" smtClean="0"/>
-              <a:t>が参加することで全体のプロジェクト　　として統合</a:t>
-            </a:r>
-            <a:endParaRPr lang="en-US" altLang="ja-JP" dirty="0" smtClean="0"/>
-          </a:p>
-          <a:p>
-            <a:pPr lvl="1"/>
-            <a:r>
-              <a:rPr kumimoji="1" lang="en-US" altLang="ja-JP" dirty="0"/>
-              <a:t>3</a:t>
-            </a:r>
-            <a:r>
-              <a:rPr kumimoji="1" lang="ja-JP" altLang="en-US" dirty="0" smtClean="0"/>
-              <a:t>年間，独自にほぼ毎月相互に意見交換を行った</a:t>
-            </a:r>
-            <a:endParaRPr lang="en-US" altLang="ja-JP" dirty="0" smtClean="0"/>
-          </a:p>
-          <a:p>
-            <a:r>
-              <a:rPr kumimoji="1" lang="ja-JP" altLang="en-US" dirty="0"/>
-              <a:t>汎用電子</a:t>
-            </a:r>
-            <a:r>
-              <a:rPr kumimoji="1" lang="ja-JP" altLang="en-US" dirty="0" smtClean="0"/>
-              <a:t>乗車券技術研究組合に参加した全組合員は，</a:t>
-            </a:r>
-            <a:r>
-              <a:rPr kumimoji="1" lang="en-US" altLang="ja-JP" dirty="0" smtClean="0"/>
-              <a:t>1</a:t>
-            </a:r>
-            <a:r>
-              <a:rPr kumimoji="1" lang="ja-JP" altLang="en-US" dirty="0" smtClean="0"/>
-              <a:t>つ以上の研究部会に所属</a:t>
+              <a:t>大規模なプロジェクトには「高い理念」に基づいたスコープを設定する</a:t>
             </a:r>
             <a:endParaRPr kumimoji="1" lang="en-US" altLang="ja-JP" dirty="0" smtClean="0"/>
           </a:p>
           <a:p>
-            <a:pPr lvl="1"/>
-            <a:r>
-              <a:rPr lang="ja-JP" altLang="en-US" dirty="0"/>
-              <a:t>研究</a:t>
-            </a:r>
-            <a:r>
-              <a:rPr lang="ja-JP" altLang="en-US" dirty="0" smtClean="0"/>
-              <a:t>部会同士の情報交換をタスクフォースの形で行う</a:t>
-            </a:r>
-            <a:endParaRPr kumimoji="1" lang="en-US" altLang="ja-JP" dirty="0" smtClean="0"/>
+            <a:endParaRPr kumimoji="1" lang="ja-JP" altLang="en-US" dirty="0"/>
           </a:p>
         </p:txBody>
       </p:sp>
@@ -5054,555 +4982,7 @@
     </p:spTree>
     <p:extLst>
       <p:ext uri="{BB962C8B-B14F-4D97-AF65-F5344CB8AC3E}">
-        <p14:creationId xmlns:p14="http://schemas.microsoft.com/office/powerpoint/2010/main" val="3718307430"/>
-      </p:ext>
-    </p:extLst>
-  </p:cSld>
-  <p:clrMapOvr>
-    <a:masterClrMapping/>
-  </p:clrMapOvr>
-  <p:timing>
-    <p:tnLst>
-      <p:par>
-        <p:cTn id="1" dur="indefinite" restart="never" nodeType="tmRoot"/>
-      </p:par>
-    </p:tnLst>
-  </p:timing>
-</p:sld>
-</file>
-
-<file path=ppt/slides/slide11.xml><?xml version="1.0" encoding="utf-8"?>
-<p:sld xmlns:a="http://schemas.openxmlformats.org/drawingml/2006/main" xmlns:r="http://schemas.openxmlformats.org/officeDocument/2006/relationships" xmlns:p="http://schemas.openxmlformats.org/presentationml/2006/main">
-  <p:cSld>
-    <p:spTree>
-      <p:nvGrpSpPr>
-        <p:cNvPr id="1" name=""/>
-        <p:cNvGrpSpPr/>
-        <p:nvPr/>
-      </p:nvGrpSpPr>
-      <p:grpSpPr>
-        <a:xfrm>
-          <a:off x="0" y="0"/>
-          <a:ext cx="0" cy="0"/>
-          <a:chOff x="0" y="0"/>
-          <a:chExt cx="0" cy="0"/>
-        </a:xfrm>
-      </p:grpSpPr>
-      <p:sp>
-        <p:nvSpPr>
-          <p:cNvPr id="2" name="タイトル 1"/>
-          <p:cNvSpPr>
-            <a:spLocks noGrp="1"/>
-          </p:cNvSpPr>
-          <p:nvPr>
-            <p:ph type="title"/>
-          </p:nvPr>
-        </p:nvSpPr>
-        <p:spPr/>
-        <p:txBody>
-          <a:bodyPr/>
-          <a:lstStyle/>
-          <a:p>
-            <a:endParaRPr kumimoji="1" lang="ja-JP" altLang="en-US"/>
-          </a:p>
-        </p:txBody>
-      </p:sp>
-      <p:sp>
-        <p:nvSpPr>
-          <p:cNvPr id="3" name="コンテンツ プレースホルダー 2"/>
-          <p:cNvSpPr>
-            <a:spLocks noGrp="1"/>
-          </p:cNvSpPr>
-          <p:nvPr>
-            <p:ph idx="1"/>
-          </p:nvPr>
-        </p:nvSpPr>
-        <p:spPr/>
-        <p:txBody>
-          <a:bodyPr/>
-          <a:lstStyle/>
-          <a:p>
-            <a:endParaRPr kumimoji="1" lang="ja-JP" altLang="en-US"/>
-          </a:p>
-        </p:txBody>
-      </p:sp>
-      <p:sp>
-        <p:nvSpPr>
-          <p:cNvPr id="4" name="スライド番号プレースホルダー 3"/>
-          <p:cNvSpPr>
-            <a:spLocks noGrp="1"/>
-          </p:cNvSpPr>
-          <p:nvPr>
-            <p:ph type="sldNum" sz="quarter" idx="12"/>
-          </p:nvPr>
-        </p:nvSpPr>
-        <p:spPr/>
-        <p:txBody>
-          <a:bodyPr/>
-          <a:lstStyle/>
-          <a:p>
-            <a:fld id="{A4E6642C-D3C9-4DC2-8962-09BE970CAC7A}" type="slidenum">
-              <a:rPr kumimoji="1" lang="ja-JP" altLang="en-US" smtClean="0"/>
-              <a:t>11</a:t>
-            </a:fld>
-            <a:endParaRPr kumimoji="1" lang="ja-JP" altLang="en-US"/>
-          </a:p>
-        </p:txBody>
-      </p:sp>
-      <p:pic>
-        <p:nvPicPr>
-          <p:cNvPr id="1026" name="Picture 2" descr="C:\Users\horiuchi\Documents\GitHub\horiuchi-lab-teamA-\ゼミ1\j04\image.jpeg"/>
-          <p:cNvPicPr>
-            <a:picLocks noChangeAspect="1" noChangeArrowheads="1"/>
-          </p:cNvPicPr>
-          <p:nvPr/>
-        </p:nvPicPr>
-        <p:blipFill>
-          <a:blip r:embed="rId2">
-            <a:extLst>
-              <a:ext uri="{28A0092B-C50C-407E-A947-70E740481C1C}">
-                <a14:useLocalDpi xmlns:a14="http://schemas.microsoft.com/office/drawing/2010/main" val="0"/>
-              </a:ext>
-            </a:extLst>
-          </a:blip>
-          <a:srcRect/>
-          <a:stretch>
-            <a:fillRect/>
-          </a:stretch>
-        </p:blipFill>
-        <p:spPr bwMode="auto">
-          <a:xfrm>
-            <a:off x="719137" y="261266"/>
-            <a:ext cx="10741343" cy="5875374"/>
-          </a:xfrm>
-          <a:prstGeom prst="rect">
-            <a:avLst/>
-          </a:prstGeom>
-          <a:noFill/>
-          <a:extLst>
-            <a:ext uri="{909E8E84-426E-40DD-AFC4-6F175D3DCCD1}">
-              <a14:hiddenFill xmlns:a14="http://schemas.microsoft.com/office/drawing/2010/main">
-                <a:solidFill>
-                  <a:srgbClr val="FFFFFF"/>
-                </a:solidFill>
-              </a14:hiddenFill>
-            </a:ext>
-          </a:extLst>
-        </p:spPr>
-      </p:pic>
-    </p:spTree>
-    <p:extLst>
-      <p:ext uri="{BB962C8B-B14F-4D97-AF65-F5344CB8AC3E}">
-        <p14:creationId xmlns:p14="http://schemas.microsoft.com/office/powerpoint/2010/main" val="1791294317"/>
-      </p:ext>
-    </p:extLst>
-  </p:cSld>
-  <p:clrMapOvr>
-    <a:masterClrMapping/>
-  </p:clrMapOvr>
-</p:sld>
-</file>
-
-<file path=ppt/slides/slide12.xml><?xml version="1.0" encoding="utf-8"?>
-<p:sld xmlns:a="http://schemas.openxmlformats.org/drawingml/2006/main" xmlns:r="http://schemas.openxmlformats.org/officeDocument/2006/relationships" xmlns:p="http://schemas.openxmlformats.org/presentationml/2006/main">
-  <p:cSld>
-    <p:spTree>
-      <p:nvGrpSpPr>
-        <p:cNvPr id="1" name=""/>
-        <p:cNvGrpSpPr/>
-        <p:nvPr/>
-      </p:nvGrpSpPr>
-      <p:grpSpPr>
-        <a:xfrm>
-          <a:off x="0" y="0"/>
-          <a:ext cx="0" cy="0"/>
-          <a:chOff x="0" y="0"/>
-          <a:chExt cx="0" cy="0"/>
-        </a:xfrm>
-      </p:grpSpPr>
-      <p:sp>
-        <p:nvSpPr>
-          <p:cNvPr id="2" name="タイトル 1"/>
-          <p:cNvSpPr>
-            <a:spLocks noGrp="1"/>
-          </p:cNvSpPr>
-          <p:nvPr>
-            <p:ph type="title"/>
-          </p:nvPr>
-        </p:nvSpPr>
-        <p:spPr/>
-        <p:txBody>
-          <a:bodyPr/>
-          <a:lstStyle/>
-          <a:p>
-            <a:r>
-              <a:rPr kumimoji="1" lang="ja-JP" altLang="en-US" dirty="0" smtClean="0"/>
-              <a:t>コミュニケーション計画</a:t>
-            </a:r>
-            <a:endParaRPr kumimoji="1" lang="ja-JP" altLang="en-US" dirty="0"/>
-          </a:p>
-        </p:txBody>
-      </p:sp>
-      <p:sp>
-        <p:nvSpPr>
-          <p:cNvPr id="3" name="コンテンツ プレースホルダー 2"/>
-          <p:cNvSpPr>
-            <a:spLocks noGrp="1"/>
-          </p:cNvSpPr>
-          <p:nvPr>
-            <p:ph idx="1"/>
-          </p:nvPr>
-        </p:nvSpPr>
-        <p:spPr/>
-        <p:txBody>
-          <a:bodyPr/>
-          <a:lstStyle/>
-          <a:p>
-            <a:r>
-              <a:rPr lang="ja-JP" altLang="en-US" dirty="0"/>
-              <a:t>汎用電子乗車券開発検討委員会</a:t>
-            </a:r>
-            <a:r>
-              <a:rPr kumimoji="1" lang="ja-JP" altLang="en-US" dirty="0" smtClean="0"/>
-              <a:t>に，</a:t>
-            </a:r>
-            <a:r>
-              <a:rPr lang="ja-JP" altLang="en-US" dirty="0" smtClean="0"/>
-              <a:t>汎用</a:t>
-            </a:r>
-            <a:r>
-              <a:rPr lang="ja-JP" altLang="en-US" dirty="0"/>
-              <a:t>電子乗車券技術研究組合</a:t>
-            </a:r>
-            <a:r>
-              <a:rPr lang="ja-JP" altLang="en-US" dirty="0" smtClean="0"/>
-              <a:t>，</a:t>
-            </a:r>
-            <a:r>
-              <a:rPr lang="ja-JP" altLang="en-US" dirty="0"/>
-              <a:t>日本鉄道サイバネスティクス</a:t>
-            </a:r>
-            <a:r>
-              <a:rPr lang="ja-JP" altLang="en-US" dirty="0" smtClean="0"/>
-              <a:t>協議会から</a:t>
-            </a:r>
-            <a:r>
-              <a:rPr lang="en-US" altLang="ja-JP" dirty="0" smtClean="0"/>
-              <a:t>PM</a:t>
-            </a:r>
-            <a:r>
-              <a:rPr lang="ja-JP" altLang="en-US" dirty="0" smtClean="0"/>
-              <a:t>が参加することで全体のプロジェクト　　として統合</a:t>
-            </a:r>
-            <a:endParaRPr lang="en-US" altLang="ja-JP" dirty="0" smtClean="0"/>
-          </a:p>
-          <a:p>
-            <a:pPr lvl="1"/>
-            <a:r>
-              <a:rPr kumimoji="1" lang="en-US" altLang="ja-JP" dirty="0"/>
-              <a:t>3</a:t>
-            </a:r>
-            <a:r>
-              <a:rPr kumimoji="1" lang="ja-JP" altLang="en-US" dirty="0" smtClean="0"/>
-              <a:t>年間，独自にほぼ毎月相互に意見交換を行った</a:t>
-            </a:r>
-            <a:endParaRPr lang="en-US" altLang="ja-JP" dirty="0" smtClean="0"/>
-          </a:p>
-          <a:p>
-            <a:r>
-              <a:rPr kumimoji="1" lang="ja-JP" altLang="en-US" dirty="0"/>
-              <a:t>汎用電子</a:t>
-            </a:r>
-            <a:r>
-              <a:rPr kumimoji="1" lang="ja-JP" altLang="en-US" dirty="0" smtClean="0"/>
-              <a:t>乗車券技術研究組合に参加した全組合員は，</a:t>
-            </a:r>
-            <a:r>
-              <a:rPr kumimoji="1" lang="en-US" altLang="ja-JP" dirty="0" smtClean="0"/>
-              <a:t>1</a:t>
-            </a:r>
-            <a:r>
-              <a:rPr kumimoji="1" lang="ja-JP" altLang="en-US" dirty="0" smtClean="0"/>
-              <a:t>つ以上の研究部会に所属</a:t>
-            </a:r>
-            <a:endParaRPr kumimoji="1" lang="en-US" altLang="ja-JP" dirty="0" smtClean="0"/>
-          </a:p>
-          <a:p>
-            <a:pPr lvl="1"/>
-            <a:r>
-              <a:rPr lang="ja-JP" altLang="en-US" dirty="0"/>
-              <a:t>研究</a:t>
-            </a:r>
-            <a:r>
-              <a:rPr lang="ja-JP" altLang="en-US" dirty="0" smtClean="0"/>
-              <a:t>部会同士の情報交換をタスクフォースの形で行う</a:t>
-            </a:r>
-            <a:endParaRPr kumimoji="1" lang="en-US" altLang="ja-JP" dirty="0" smtClean="0"/>
-          </a:p>
-        </p:txBody>
-      </p:sp>
-      <p:sp>
-        <p:nvSpPr>
-          <p:cNvPr id="4" name="スライド番号プレースホルダー 3"/>
-          <p:cNvSpPr>
-            <a:spLocks noGrp="1"/>
-          </p:cNvSpPr>
-          <p:nvPr>
-            <p:ph type="sldNum" sz="quarter" idx="12"/>
-          </p:nvPr>
-        </p:nvSpPr>
-        <p:spPr/>
-        <p:txBody>
-          <a:bodyPr/>
-          <a:lstStyle/>
-          <a:p>
-            <a:fld id="{A4E6642C-D3C9-4DC2-8962-09BE970CAC7A}" type="slidenum">
-              <a:rPr kumimoji="1" lang="ja-JP" altLang="en-US" smtClean="0"/>
-              <a:t>12</a:t>
-            </a:fld>
-            <a:endParaRPr kumimoji="1" lang="ja-JP" altLang="en-US"/>
-          </a:p>
-        </p:txBody>
-      </p:sp>
-    </p:spTree>
-    <p:extLst>
-      <p:ext uri="{BB962C8B-B14F-4D97-AF65-F5344CB8AC3E}">
-        <p14:creationId xmlns:p14="http://schemas.microsoft.com/office/powerpoint/2010/main" val="490277531"/>
-      </p:ext>
-    </p:extLst>
-  </p:cSld>
-  <p:clrMapOvr>
-    <a:masterClrMapping/>
-  </p:clrMapOvr>
-  <p:timing>
-    <p:tnLst>
-      <p:par>
-        <p:cTn id="1" dur="indefinite" restart="never" nodeType="tmRoot"/>
-      </p:par>
-    </p:tnLst>
-  </p:timing>
-</p:sld>
-</file>
-
-<file path=ppt/slides/slide13.xml><?xml version="1.0" encoding="utf-8"?>
-<p:sld xmlns:a="http://schemas.openxmlformats.org/drawingml/2006/main" xmlns:r="http://schemas.openxmlformats.org/officeDocument/2006/relationships" xmlns:p="http://schemas.openxmlformats.org/presentationml/2006/main">
-  <p:cSld>
-    <p:spTree>
-      <p:nvGrpSpPr>
-        <p:cNvPr id="1" name=""/>
-        <p:cNvGrpSpPr/>
-        <p:nvPr/>
-      </p:nvGrpSpPr>
-      <p:grpSpPr>
-        <a:xfrm>
-          <a:off x="0" y="0"/>
-          <a:ext cx="0" cy="0"/>
-          <a:chOff x="0" y="0"/>
-          <a:chExt cx="0" cy="0"/>
-        </a:xfrm>
-      </p:grpSpPr>
-      <p:pic>
-        <p:nvPicPr>
-          <p:cNvPr id="5" name="コンテンツ プレースホルダー 4"/>
-          <p:cNvPicPr>
-            <a:picLocks noGrp="1" noChangeAspect="1"/>
-          </p:cNvPicPr>
-          <p:nvPr>
-            <p:ph idx="1"/>
-          </p:nvPr>
-        </p:nvPicPr>
-        <p:blipFill>
-          <a:blip r:embed="rId2" cstate="print">
-            <a:extLst>
-              <a:ext uri="{28A0092B-C50C-407E-A947-70E740481C1C}">
-                <a14:useLocalDpi xmlns:a14="http://schemas.microsoft.com/office/drawing/2010/main" val="0"/>
-              </a:ext>
-            </a:extLst>
-          </a:blip>
-          <a:stretch>
-            <a:fillRect/>
-          </a:stretch>
-        </p:blipFill>
-        <p:spPr>
-          <a:xfrm>
-            <a:off x="1091330" y="672352"/>
-            <a:ext cx="10121153" cy="5529501"/>
-          </a:xfrm>
-        </p:spPr>
-      </p:pic>
-      <p:sp>
-        <p:nvSpPr>
-          <p:cNvPr id="4" name="スライド番号プレースホルダー 3"/>
-          <p:cNvSpPr>
-            <a:spLocks noGrp="1"/>
-          </p:cNvSpPr>
-          <p:nvPr>
-            <p:ph type="sldNum" sz="quarter" idx="12"/>
-          </p:nvPr>
-        </p:nvSpPr>
-        <p:spPr/>
-        <p:txBody>
-          <a:bodyPr/>
-          <a:lstStyle/>
-          <a:p>
-            <a:fld id="{A4E6642C-D3C9-4DC2-8962-09BE970CAC7A}" type="slidenum">
-              <a:rPr kumimoji="1" lang="ja-JP" altLang="en-US" smtClean="0"/>
-              <a:t>13</a:t>
-            </a:fld>
-            <a:endParaRPr kumimoji="1" lang="ja-JP" altLang="en-US"/>
-          </a:p>
-        </p:txBody>
-      </p:sp>
-    </p:spTree>
-    <p:extLst>
-      <p:ext uri="{BB962C8B-B14F-4D97-AF65-F5344CB8AC3E}">
-        <p14:creationId xmlns:p14="http://schemas.microsoft.com/office/powerpoint/2010/main" val="1853652352"/>
-      </p:ext>
-    </p:extLst>
-  </p:cSld>
-  <p:clrMapOvr>
-    <a:masterClrMapping/>
-  </p:clrMapOvr>
-  <p:timing>
-    <p:tnLst>
-      <p:par>
-        <p:cTn id="1" dur="indefinite" restart="never" nodeType="tmRoot"/>
-      </p:par>
-    </p:tnLst>
-  </p:timing>
-</p:sld>
-</file>
-
-<file path=ppt/slides/slide14.xml><?xml version="1.0" encoding="utf-8"?>
-<p:sld xmlns:a="http://schemas.openxmlformats.org/drawingml/2006/main" xmlns:r="http://schemas.openxmlformats.org/officeDocument/2006/relationships" xmlns:p="http://schemas.openxmlformats.org/presentationml/2006/main">
-  <p:cSld>
-    <p:spTree>
-      <p:nvGrpSpPr>
-        <p:cNvPr id="1" name=""/>
-        <p:cNvGrpSpPr/>
-        <p:nvPr/>
-      </p:nvGrpSpPr>
-      <p:grpSpPr>
-        <a:xfrm>
-          <a:off x="0" y="0"/>
-          <a:ext cx="0" cy="0"/>
-          <a:chOff x="0" y="0"/>
-          <a:chExt cx="0" cy="0"/>
-        </a:xfrm>
-      </p:grpSpPr>
-      <p:sp>
-        <p:nvSpPr>
-          <p:cNvPr id="2" name="タイトル 1"/>
-          <p:cNvSpPr>
-            <a:spLocks noGrp="1"/>
-          </p:cNvSpPr>
-          <p:nvPr>
-            <p:ph type="title"/>
-          </p:nvPr>
-        </p:nvSpPr>
-        <p:spPr/>
-        <p:txBody>
-          <a:bodyPr/>
-          <a:lstStyle/>
-          <a:p>
-            <a:r>
-              <a:rPr kumimoji="1" lang="ja-JP" altLang="en-US" dirty="0" smtClean="0"/>
-              <a:t>教訓</a:t>
-            </a:r>
-            <a:endParaRPr kumimoji="1" lang="ja-JP" altLang="en-US" dirty="0"/>
-          </a:p>
-        </p:txBody>
-      </p:sp>
-      <p:sp>
-        <p:nvSpPr>
-          <p:cNvPr id="3" name="コンテンツ プレースホルダー 2"/>
-          <p:cNvSpPr>
-            <a:spLocks noGrp="1"/>
-          </p:cNvSpPr>
-          <p:nvPr>
-            <p:ph idx="1"/>
-          </p:nvPr>
-        </p:nvSpPr>
-        <p:spPr/>
-        <p:txBody>
-          <a:bodyPr/>
-          <a:lstStyle/>
-          <a:p>
-            <a:r>
-              <a:rPr kumimoji="1" lang="ja-JP" altLang="en-US" dirty="0" smtClean="0"/>
-              <a:t>関係する全てのステークホルダが参加する開発体制，コミュニケーション体制を確立し，確実に運営する</a:t>
-            </a:r>
-            <a:endParaRPr kumimoji="1" lang="en-US" altLang="ja-JP" dirty="0" smtClean="0"/>
-          </a:p>
-          <a:p>
-            <a:r>
-              <a:rPr lang="ja-JP" altLang="en-US" dirty="0" smtClean="0"/>
-              <a:t>コンセプトの具体的な開発と実用化については，行政が関わらず</a:t>
-            </a:r>
-            <a:r>
-              <a:rPr lang="ja-JP" altLang="en-US" dirty="0"/>
-              <a:t>民間の</a:t>
-            </a:r>
-            <a:r>
-              <a:rPr lang="ja-JP" altLang="en-US" dirty="0" smtClean="0"/>
-              <a:t>力を活用し，業界に委ねる</a:t>
-            </a:r>
-            <a:endParaRPr lang="en-US" altLang="ja-JP" dirty="0" smtClean="0"/>
-          </a:p>
-          <a:p>
-            <a:r>
-              <a:rPr kumimoji="1" lang="ja-JP" altLang="en-US" dirty="0" smtClean="0"/>
-              <a:t>スコープは，全てのステークホルダが理解でき，プロジェクトの推進に参画できる明確なものとする</a:t>
-            </a:r>
-            <a:endParaRPr kumimoji="1" lang="en-US" altLang="ja-JP" dirty="0" smtClean="0"/>
-          </a:p>
-          <a:p>
-            <a:r>
-              <a:rPr lang="ja-JP" altLang="en-US" dirty="0"/>
-              <a:t>検討方法</a:t>
-            </a:r>
-            <a:r>
-              <a:rPr lang="ja-JP" altLang="en-US" dirty="0" smtClean="0"/>
-              <a:t>や技術的に観て合理的なフェーズの切り分けを行い，確実に実行する</a:t>
-            </a:r>
-            <a:endParaRPr lang="en-US" altLang="ja-JP" dirty="0" smtClean="0"/>
-          </a:p>
-          <a:p>
-            <a:r>
-              <a:rPr kumimoji="1" lang="ja-JP" altLang="en-US" smtClean="0"/>
-              <a:t>組織の意思決定過程や運営を組織メンバーに公開し，透明な運営を行う</a:t>
-            </a:r>
-            <a:endParaRPr kumimoji="1" lang="ja-JP" altLang="en-US"/>
-          </a:p>
-        </p:txBody>
-      </p:sp>
-      <p:sp>
-        <p:nvSpPr>
-          <p:cNvPr id="4" name="スライド番号プレースホルダー 3"/>
-          <p:cNvSpPr>
-            <a:spLocks noGrp="1"/>
-          </p:cNvSpPr>
-          <p:nvPr>
-            <p:ph type="sldNum" sz="quarter" idx="12"/>
-          </p:nvPr>
-        </p:nvSpPr>
-        <p:spPr/>
-        <p:txBody>
-          <a:bodyPr/>
-          <a:lstStyle/>
-          <a:p>
-            <a:fld id="{A4E6642C-D3C9-4DC2-8962-09BE970CAC7A}" type="slidenum">
-              <a:rPr kumimoji="1" lang="ja-JP" altLang="en-US" smtClean="0"/>
-              <a:t>14</a:t>
-            </a:fld>
-            <a:endParaRPr kumimoji="1" lang="ja-JP" altLang="en-US"/>
-          </a:p>
-        </p:txBody>
-      </p:sp>
-    </p:spTree>
-    <p:extLst>
-      <p:ext uri="{BB962C8B-B14F-4D97-AF65-F5344CB8AC3E}">
-        <p14:creationId xmlns:p14="http://schemas.microsoft.com/office/powerpoint/2010/main" val="1275999467"/>
+        <p14:creationId xmlns:p14="http://schemas.microsoft.com/office/powerpoint/2010/main" val="1656809260"/>
       </p:ext>
     </p:extLst>
   </p:cSld>
@@ -5653,6 +5033,170 @@
           <a:p>
             <a:r>
               <a:rPr kumimoji="1" lang="ja-JP" altLang="en-US" dirty="0" smtClean="0"/>
+              <a:t>目次</a:t>
+            </a:r>
+            <a:endParaRPr kumimoji="1" lang="ja-JP" altLang="en-US" dirty="0"/>
+          </a:p>
+        </p:txBody>
+      </p:sp>
+      <p:sp>
+        <p:nvSpPr>
+          <p:cNvPr id="3" name="コンテンツ プレースホルダー 2"/>
+          <p:cNvSpPr>
+            <a:spLocks noGrp="1"/>
+          </p:cNvSpPr>
+          <p:nvPr>
+            <p:ph idx="1"/>
+          </p:nvPr>
+        </p:nvSpPr>
+        <p:spPr/>
+        <p:txBody>
+          <a:bodyPr/>
+          <a:lstStyle/>
+          <a:p>
+            <a:r>
+              <a:rPr kumimoji="1" lang="ja-JP" altLang="en-US" dirty="0" smtClean="0"/>
+              <a:t>今回のプロジェクト</a:t>
+            </a:r>
+            <a:endParaRPr kumimoji="1" lang="en-US" altLang="ja-JP" dirty="0" smtClean="0"/>
+          </a:p>
+          <a:p>
+            <a:r>
+              <a:rPr lang="en-US" altLang="ja-JP" dirty="0"/>
+              <a:t>3</a:t>
+            </a:r>
+            <a:r>
+              <a:rPr lang="ja-JP" altLang="en-US" dirty="0"/>
+              <a:t>種類</a:t>
+            </a:r>
+            <a:r>
+              <a:rPr lang="ja-JP" altLang="en-US" dirty="0" smtClean="0"/>
+              <a:t>のステークホルダと行動原理</a:t>
+            </a:r>
+            <a:endParaRPr lang="en-US" altLang="ja-JP" dirty="0" smtClean="0"/>
+          </a:p>
+          <a:p>
+            <a:r>
+              <a:rPr lang="ja-JP" altLang="en-US" dirty="0"/>
+              <a:t>大規模</a:t>
+            </a:r>
+            <a:r>
+              <a:rPr lang="ja-JP" altLang="en-US" dirty="0" smtClean="0"/>
+              <a:t>プロジェクトの場合のポイント</a:t>
+            </a:r>
+            <a:endParaRPr lang="en-US" altLang="ja-JP" dirty="0" smtClean="0"/>
+          </a:p>
+          <a:p>
+            <a:r>
+              <a:rPr lang="ja-JP" altLang="en-US" dirty="0" smtClean="0"/>
+              <a:t>プロジェクトの概要</a:t>
+            </a:r>
+            <a:endParaRPr lang="en-US" altLang="ja-JP" dirty="0" smtClean="0"/>
+          </a:p>
+          <a:p>
+            <a:r>
+              <a:rPr lang="en-US" altLang="ja-JP" dirty="0" smtClean="0"/>
+              <a:t>IC</a:t>
+            </a:r>
+            <a:r>
+              <a:rPr lang="ja-JP" altLang="en-US" smtClean="0"/>
+              <a:t>カード乗車券の</a:t>
+            </a:r>
+            <a:r>
+              <a:rPr lang="ja-JP" altLang="en-US" dirty="0" smtClean="0"/>
+              <a:t>課題</a:t>
+            </a:r>
+            <a:endParaRPr lang="en-US" altLang="ja-JP" dirty="0" smtClean="0"/>
+          </a:p>
+          <a:p>
+            <a:r>
+              <a:rPr lang="ja-JP" altLang="en-US" dirty="0" smtClean="0"/>
+              <a:t>教訓</a:t>
+            </a:r>
+            <a:endParaRPr lang="en-US" altLang="ja-JP" dirty="0" smtClean="0"/>
+          </a:p>
+          <a:p>
+            <a:r>
+              <a:rPr lang="ja-JP" altLang="en-US" dirty="0" smtClean="0"/>
+              <a:t>この事例から学んだこと</a:t>
+            </a:r>
+            <a:endParaRPr lang="en-US" altLang="ja-JP" dirty="0" smtClean="0"/>
+          </a:p>
+          <a:p>
+            <a:endParaRPr kumimoji="1" lang="ja-JP" altLang="en-US" dirty="0"/>
+          </a:p>
+        </p:txBody>
+      </p:sp>
+      <p:sp>
+        <p:nvSpPr>
+          <p:cNvPr id="4" name="スライド番号プレースホルダー 3"/>
+          <p:cNvSpPr>
+            <a:spLocks noGrp="1"/>
+          </p:cNvSpPr>
+          <p:nvPr>
+            <p:ph type="sldNum" sz="quarter" idx="12"/>
+          </p:nvPr>
+        </p:nvSpPr>
+        <p:spPr/>
+        <p:txBody>
+          <a:bodyPr/>
+          <a:lstStyle/>
+          <a:p>
+            <a:fld id="{A4E6642C-D3C9-4DC2-8962-09BE970CAC7A}" type="slidenum">
+              <a:rPr kumimoji="1" lang="ja-JP" altLang="en-US" smtClean="0"/>
+              <a:t>2</a:t>
+            </a:fld>
+            <a:endParaRPr kumimoji="1" lang="ja-JP" altLang="en-US"/>
+          </a:p>
+        </p:txBody>
+      </p:sp>
+    </p:spTree>
+    <p:extLst>
+      <p:ext uri="{BB962C8B-B14F-4D97-AF65-F5344CB8AC3E}">
+        <p14:creationId xmlns:p14="http://schemas.microsoft.com/office/powerpoint/2010/main" val="2064125232"/>
+      </p:ext>
+    </p:extLst>
+  </p:cSld>
+  <p:clrMapOvr>
+    <a:masterClrMapping/>
+  </p:clrMapOvr>
+</p:sld>
+</file>
+
+<file path=ppt/slides/slide3.xml><?xml version="1.0" encoding="utf-8"?>
+<p:sld xmlns:a="http://schemas.openxmlformats.org/drawingml/2006/main" xmlns:r="http://schemas.openxmlformats.org/officeDocument/2006/relationships" xmlns:p="http://schemas.openxmlformats.org/presentationml/2006/main">
+  <p:cSld>
+    <p:spTree>
+      <p:nvGrpSpPr>
+        <p:cNvPr id="1" name=""/>
+        <p:cNvGrpSpPr/>
+        <p:nvPr/>
+      </p:nvGrpSpPr>
+      <p:grpSpPr>
+        <a:xfrm>
+          <a:off x="0" y="0"/>
+          <a:ext cx="0" cy="0"/>
+          <a:chOff x="0" y="0"/>
+          <a:chExt cx="0" cy="0"/>
+        </a:xfrm>
+      </p:grpSpPr>
+      <p:sp>
+        <p:nvSpPr>
+          <p:cNvPr id="2" name="タイトル 1"/>
+          <p:cNvSpPr>
+            <a:spLocks noGrp="1"/>
+          </p:cNvSpPr>
+          <p:nvPr>
+            <p:ph type="title"/>
+          </p:nvPr>
+        </p:nvSpPr>
+        <p:spPr/>
+        <p:txBody>
+          <a:bodyPr/>
+          <a:lstStyle/>
+          <a:p>
+            <a:r>
+              <a:rPr kumimoji="1" lang="ja-JP" altLang="en-US" dirty="0" smtClean="0"/>
               <a:t>今回のプロジェクト</a:t>
             </a:r>
             <a:endParaRPr kumimoji="1" lang="ja-JP" altLang="en-US" dirty="0"/>
@@ -5739,7 +5283,7 @@
           <a:p>
             <a:fld id="{A4E6642C-D3C9-4DC2-8962-09BE970CAC7A}" type="slidenum">
               <a:rPr kumimoji="1" lang="ja-JP" altLang="en-US" smtClean="0"/>
-              <a:t>2</a:t>
+              <a:t>3</a:t>
             </a:fld>
             <a:endParaRPr kumimoji="1" lang="ja-JP" altLang="en-US"/>
           </a:p>
@@ -5765,7 +5309,7 @@
 </p:sld>
 </file>
 
-<file path=ppt/slides/slide3.xml><?xml version="1.0" encoding="utf-8"?>
+<file path=ppt/slides/slide4.xml><?xml version="1.0" encoding="utf-8"?>
 <p:sld xmlns:a="http://schemas.openxmlformats.org/drawingml/2006/main" xmlns:r="http://schemas.openxmlformats.org/officeDocument/2006/relationships" xmlns:p="http://schemas.openxmlformats.org/presentationml/2006/main">
   <p:cSld>
     <p:spTree>
@@ -5784,173 +5328,21 @@
       </p:grpSpPr>
       <p:sp>
         <p:nvSpPr>
-          <p:cNvPr id="2" name="タイトル 1"/>
-          <p:cNvSpPr>
-            <a:spLocks noGrp="1"/>
-          </p:cNvSpPr>
-          <p:nvPr>
-            <p:ph type="title"/>
-          </p:nvPr>
-        </p:nvSpPr>
-        <p:spPr/>
-        <p:txBody>
-          <a:bodyPr/>
-          <a:lstStyle/>
-          <a:p>
-            <a:r>
-              <a:rPr kumimoji="1" lang="en-US" altLang="ja-JP" dirty="0" smtClean="0"/>
-              <a:t>3</a:t>
-            </a:r>
-            <a:r>
-              <a:rPr kumimoji="1" lang="ja-JP" altLang="en-US" dirty="0" smtClean="0"/>
-              <a:t>種類のステークホルダと行動原理</a:t>
-            </a:r>
-            <a:endParaRPr kumimoji="1" lang="ja-JP" altLang="en-US" dirty="0"/>
-          </a:p>
-        </p:txBody>
-      </p:sp>
-      <p:sp>
-        <p:nvSpPr>
-          <p:cNvPr id="3" name="コンテンツ プレースホルダー 2"/>
-          <p:cNvSpPr>
-            <a:spLocks noGrp="1"/>
-          </p:cNvSpPr>
-          <p:nvPr>
-            <p:ph idx="1"/>
-          </p:nvPr>
+          <p:cNvPr id="5" name="角丸四角形 4"/>
+          <p:cNvSpPr/>
+          <p:nvPr/>
         </p:nvSpPr>
         <p:spPr>
           <a:xfrm>
-            <a:off x="1097280" y="1845734"/>
-            <a:ext cx="2533426" cy="4023360"/>
+            <a:off x="4746810" y="1845734"/>
+            <a:ext cx="7153835" cy="4434042"/>
           </a:xfrm>
-        </p:spPr>
-        <p:txBody>
-          <a:bodyPr/>
-          <a:lstStyle/>
-          <a:p>
-            <a:pPr>
-              <a:buFont typeface="Wingdings" panose="05000000000000000000" pitchFamily="2" charset="2"/>
-              <a:buChar char="l"/>
-            </a:pPr>
-            <a:r>
-              <a:rPr kumimoji="1" lang="ja-JP" altLang="en-US" dirty="0" smtClean="0"/>
-              <a:t>生活者・市民</a:t>
-            </a:r>
-            <a:endParaRPr kumimoji="1" lang="en-US" altLang="ja-JP" dirty="0" smtClean="0"/>
-          </a:p>
-          <a:p>
-            <a:pPr lvl="1">
-              <a:buFont typeface="Wingdings" panose="05000000000000000000" pitchFamily="2" charset="2"/>
-              <a:buChar char="l"/>
-            </a:pPr>
-            <a:r>
-              <a:rPr lang="ja-JP" altLang="en-US" dirty="0" smtClean="0"/>
-              <a:t>自己満足・自己実現</a:t>
-            </a:r>
-            <a:endParaRPr lang="en-US" altLang="ja-JP" dirty="0" smtClean="0"/>
-          </a:p>
-          <a:p>
-            <a:pPr lvl="1">
-              <a:buFont typeface="Wingdings" panose="05000000000000000000" pitchFamily="2" charset="2"/>
-              <a:buChar char="l"/>
-            </a:pPr>
-            <a:endParaRPr lang="en-US" altLang="ja-JP" dirty="0"/>
-          </a:p>
-          <a:p>
-            <a:pPr>
-              <a:buFont typeface="Wingdings" panose="05000000000000000000" pitchFamily="2" charset="2"/>
-              <a:buChar char="l"/>
-            </a:pPr>
-            <a:r>
-              <a:rPr lang="ja-JP" altLang="en-US" dirty="0" smtClean="0"/>
-              <a:t>企業</a:t>
-            </a:r>
-            <a:endParaRPr lang="en-US" altLang="ja-JP" dirty="0" smtClean="0"/>
-          </a:p>
-          <a:p>
-            <a:pPr lvl="1">
-              <a:buFont typeface="Wingdings" panose="05000000000000000000" pitchFamily="2" charset="2"/>
-              <a:buChar char="l"/>
-            </a:pPr>
-            <a:r>
-              <a:rPr kumimoji="1" lang="ja-JP" altLang="en-US" dirty="0" smtClean="0"/>
-              <a:t>自社利益の追求</a:t>
-            </a:r>
-            <a:endParaRPr kumimoji="1" lang="en-US" altLang="ja-JP" dirty="0" smtClean="0"/>
-          </a:p>
-          <a:p>
-            <a:pPr lvl="1">
-              <a:buFont typeface="Wingdings" panose="05000000000000000000" pitchFamily="2" charset="2"/>
-              <a:buChar char="l"/>
-            </a:pPr>
-            <a:endParaRPr kumimoji="1" lang="en-US" altLang="ja-JP" dirty="0"/>
-          </a:p>
-          <a:p>
-            <a:pPr>
-              <a:buFont typeface="Wingdings" panose="05000000000000000000" pitchFamily="2" charset="2"/>
-              <a:buChar char="l"/>
-            </a:pPr>
-            <a:r>
-              <a:rPr lang="ja-JP" altLang="en-US" dirty="0" smtClean="0"/>
-              <a:t>行政</a:t>
-            </a:r>
-            <a:endParaRPr lang="en-US" altLang="ja-JP" dirty="0" smtClean="0"/>
-          </a:p>
-          <a:p>
-            <a:pPr lvl="1">
-              <a:buFont typeface="Wingdings" panose="05000000000000000000" pitchFamily="2" charset="2"/>
-              <a:buChar char="l"/>
-            </a:pPr>
-            <a:r>
-              <a:rPr kumimoji="1" lang="ja-JP" altLang="en-US" dirty="0" smtClean="0"/>
-              <a:t>公平・平等</a:t>
-            </a:r>
-            <a:endParaRPr kumimoji="1" lang="en-US" altLang="ja-JP" dirty="0" smtClean="0"/>
-          </a:p>
-        </p:txBody>
-      </p:sp>
-      <p:sp>
-        <p:nvSpPr>
-          <p:cNvPr id="4" name="スライド番号プレースホルダー 3"/>
-          <p:cNvSpPr>
-            <a:spLocks noGrp="1"/>
-          </p:cNvSpPr>
-          <p:nvPr>
-            <p:ph type="sldNum" sz="quarter" idx="12"/>
-          </p:nvPr>
-        </p:nvSpPr>
-        <p:spPr/>
-        <p:txBody>
-          <a:bodyPr/>
-          <a:lstStyle/>
-          <a:p>
-            <a:fld id="{A4E6642C-D3C9-4DC2-8962-09BE970CAC7A}" type="slidenum">
-              <a:rPr kumimoji="1" lang="ja-JP" altLang="en-US" smtClean="0"/>
-              <a:t>3</a:t>
-            </a:fld>
-            <a:endParaRPr kumimoji="1" lang="ja-JP" altLang="en-US"/>
-          </a:p>
-        </p:txBody>
-      </p:sp>
-      <p:sp>
-        <p:nvSpPr>
-          <p:cNvPr id="7" name="爆発 2 6"/>
-          <p:cNvSpPr/>
-          <p:nvPr/>
-        </p:nvSpPr>
-        <p:spPr>
-          <a:xfrm>
-            <a:off x="3412105" y="1737360"/>
-            <a:ext cx="6294307" cy="3724022"/>
-          </a:xfrm>
-          <a:prstGeom prst="irregularSeal2">
+          <a:prstGeom prst="roundRect">
             <a:avLst/>
           </a:prstGeom>
           <a:solidFill>
             <a:schemeClr val="accent1">
-              <a:lumMod val="60000"/>
-              <a:lumOff val="40000"/>
+              <a:alpha val="50000"/>
             </a:schemeClr>
           </a:solidFill>
         </p:spPr>
@@ -5975,6 +5367,209 @@
           <a:lstStyle/>
           <a:p>
             <a:pPr algn="ctr"/>
+            <a:endParaRPr lang="en-US" altLang="ja-JP" sz="3200" dirty="0">
+              <a:solidFill>
+                <a:schemeClr val="tx1"/>
+              </a:solidFill>
+            </a:endParaRPr>
+          </a:p>
+          <a:p>
+            <a:pPr algn="ctr"/>
+            <a:endParaRPr kumimoji="1" lang="en-US" altLang="ja-JP" sz="3200" dirty="0" smtClean="0">
+              <a:solidFill>
+                <a:schemeClr val="tx1"/>
+              </a:solidFill>
+            </a:endParaRPr>
+          </a:p>
+          <a:p>
+            <a:pPr algn="ctr"/>
+            <a:r>
+              <a:rPr kumimoji="1" lang="ja-JP" altLang="en-US" sz="3200" dirty="0" smtClean="0">
+                <a:solidFill>
+                  <a:schemeClr val="tx1"/>
+                </a:solidFill>
+              </a:rPr>
+              <a:t>↓</a:t>
+            </a:r>
+            <a:endParaRPr kumimoji="1" lang="en-US" altLang="ja-JP" sz="3200" dirty="0" smtClean="0">
+              <a:solidFill>
+                <a:schemeClr val="tx1"/>
+              </a:solidFill>
+            </a:endParaRPr>
+          </a:p>
+          <a:p>
+            <a:pPr algn="ctr"/>
+            <a:endParaRPr kumimoji="1" lang="en-US" altLang="ja-JP" sz="3200" dirty="0" smtClean="0">
+              <a:solidFill>
+                <a:schemeClr val="tx1"/>
+              </a:solidFill>
+            </a:endParaRPr>
+          </a:p>
+          <a:p>
+            <a:pPr algn="ctr"/>
+            <a:r>
+              <a:rPr kumimoji="1" lang="ja-JP" altLang="en-US" sz="3200" dirty="0" smtClean="0">
+                <a:solidFill>
+                  <a:schemeClr val="tx1"/>
+                </a:solidFill>
+              </a:rPr>
+              <a:t>そのため，ステークホルダを組織化する必要がある</a:t>
+            </a:r>
+            <a:endParaRPr kumimoji="1" lang="ja-JP" altLang="en-US" sz="3200" dirty="0">
+              <a:solidFill>
+                <a:schemeClr val="tx1"/>
+              </a:solidFill>
+            </a:endParaRPr>
+          </a:p>
+        </p:txBody>
+      </p:sp>
+      <p:sp>
+        <p:nvSpPr>
+          <p:cNvPr id="2" name="タイトル 1"/>
+          <p:cNvSpPr>
+            <a:spLocks noGrp="1"/>
+          </p:cNvSpPr>
+          <p:nvPr>
+            <p:ph type="title"/>
+          </p:nvPr>
+        </p:nvSpPr>
+        <p:spPr/>
+        <p:txBody>
+          <a:bodyPr/>
+          <a:lstStyle/>
+          <a:p>
+            <a:r>
+              <a:rPr kumimoji="1" lang="en-US" altLang="ja-JP" dirty="0" smtClean="0"/>
+              <a:t>3</a:t>
+            </a:r>
+            <a:r>
+              <a:rPr kumimoji="1" lang="ja-JP" altLang="en-US" dirty="0" smtClean="0"/>
+              <a:t>種類のステークホルダと行動原理</a:t>
+            </a:r>
+            <a:endParaRPr kumimoji="1" lang="ja-JP" altLang="en-US" dirty="0"/>
+          </a:p>
+        </p:txBody>
+      </p:sp>
+      <p:sp>
+        <p:nvSpPr>
+          <p:cNvPr id="3" name="コンテンツ プレースホルダー 2"/>
+          <p:cNvSpPr>
+            <a:spLocks noGrp="1"/>
+          </p:cNvSpPr>
+          <p:nvPr>
+            <p:ph idx="1"/>
+          </p:nvPr>
+        </p:nvSpPr>
+        <p:spPr>
+          <a:xfrm>
+            <a:off x="1097280" y="1845734"/>
+            <a:ext cx="2533426" cy="4023360"/>
+          </a:xfrm>
+        </p:spPr>
+        <p:txBody>
+          <a:bodyPr/>
+          <a:lstStyle/>
+          <a:p>
+            <a:pPr>
+              <a:buFont typeface="Wingdings" panose="05000000000000000000" pitchFamily="2" charset="2"/>
+              <a:buChar char="l"/>
+            </a:pPr>
+            <a:r>
+              <a:rPr kumimoji="1" lang="ja-JP" altLang="en-US" dirty="0" smtClean="0"/>
+              <a:t>生活者・市民</a:t>
+            </a:r>
+            <a:endParaRPr kumimoji="1" lang="en-US" altLang="ja-JP" dirty="0" smtClean="0"/>
+          </a:p>
+          <a:p>
+            <a:pPr lvl="1">
+              <a:buFont typeface="Wingdings" panose="05000000000000000000" pitchFamily="2" charset="2"/>
+              <a:buChar char="l"/>
+            </a:pPr>
+            <a:r>
+              <a:rPr lang="ja-JP" altLang="en-US" dirty="0" smtClean="0"/>
+              <a:t>自己満足・自己実現</a:t>
+            </a:r>
+            <a:endParaRPr lang="en-US" altLang="ja-JP" dirty="0" smtClean="0"/>
+          </a:p>
+          <a:p>
+            <a:pPr lvl="1">
+              <a:buFont typeface="Wingdings" panose="05000000000000000000" pitchFamily="2" charset="2"/>
+              <a:buChar char="l"/>
+            </a:pPr>
+            <a:endParaRPr lang="en-US" altLang="ja-JP" dirty="0"/>
+          </a:p>
+          <a:p>
+            <a:pPr>
+              <a:buFont typeface="Wingdings" panose="05000000000000000000" pitchFamily="2" charset="2"/>
+              <a:buChar char="l"/>
+            </a:pPr>
+            <a:r>
+              <a:rPr lang="ja-JP" altLang="en-US" dirty="0" smtClean="0"/>
+              <a:t>企業</a:t>
+            </a:r>
+            <a:endParaRPr lang="en-US" altLang="ja-JP" dirty="0" smtClean="0"/>
+          </a:p>
+          <a:p>
+            <a:pPr lvl="1">
+              <a:buFont typeface="Wingdings" panose="05000000000000000000" pitchFamily="2" charset="2"/>
+              <a:buChar char="l"/>
+            </a:pPr>
+            <a:r>
+              <a:rPr kumimoji="1" lang="ja-JP" altLang="en-US" dirty="0" smtClean="0"/>
+              <a:t>自社利益の追求</a:t>
+            </a:r>
+            <a:endParaRPr kumimoji="1" lang="en-US" altLang="ja-JP" dirty="0" smtClean="0"/>
+          </a:p>
+          <a:p>
+            <a:pPr lvl="1">
+              <a:buFont typeface="Wingdings" panose="05000000000000000000" pitchFamily="2" charset="2"/>
+              <a:buChar char="l"/>
+            </a:pPr>
+            <a:endParaRPr kumimoji="1" lang="en-US" altLang="ja-JP" dirty="0"/>
+          </a:p>
+          <a:p>
+            <a:pPr>
+              <a:buFont typeface="Wingdings" panose="05000000000000000000" pitchFamily="2" charset="2"/>
+              <a:buChar char="l"/>
+            </a:pPr>
+            <a:r>
+              <a:rPr lang="ja-JP" altLang="en-US" dirty="0" smtClean="0"/>
+              <a:t>行政</a:t>
+            </a:r>
+            <a:endParaRPr lang="en-US" altLang="ja-JP" dirty="0" smtClean="0"/>
+          </a:p>
+          <a:p>
+            <a:pPr lvl="1">
+              <a:buFont typeface="Wingdings" panose="05000000000000000000" pitchFamily="2" charset="2"/>
+              <a:buChar char="l"/>
+            </a:pPr>
+            <a:r>
+              <a:rPr kumimoji="1" lang="ja-JP" altLang="en-US" dirty="0" smtClean="0"/>
+              <a:t>公平・平等</a:t>
+            </a:r>
+            <a:endParaRPr kumimoji="1" lang="en-US" altLang="ja-JP" dirty="0" smtClean="0"/>
+          </a:p>
+        </p:txBody>
+      </p:sp>
+      <p:sp>
+        <p:nvSpPr>
+          <p:cNvPr id="4" name="スライド番号プレースホルダー 3"/>
+          <p:cNvSpPr>
+            <a:spLocks noGrp="1"/>
+          </p:cNvSpPr>
+          <p:nvPr>
+            <p:ph type="sldNum" sz="quarter" idx="12"/>
+          </p:nvPr>
+        </p:nvSpPr>
+        <p:spPr/>
+        <p:txBody>
+          <a:bodyPr/>
+          <a:lstStyle/>
+          <a:p>
+            <a:fld id="{A4E6642C-D3C9-4DC2-8962-09BE970CAC7A}" type="slidenum">
+              <a:rPr kumimoji="1" lang="ja-JP" altLang="en-US" smtClean="0"/>
+              <a:t>4</a:t>
+            </a:fld>
             <a:endParaRPr kumimoji="1" lang="ja-JP" altLang="en-US"/>
           </a:p>
         </p:txBody>
@@ -5987,8 +5582,8 @@
         </p:nvSpPr>
         <p:spPr>
           <a:xfrm>
-            <a:off x="4881283" y="3183874"/>
-            <a:ext cx="3207929" cy="830997"/>
+            <a:off x="5657774" y="2158745"/>
+            <a:ext cx="5331909" cy="954107"/>
           </a:xfrm>
           <a:prstGeom prst="rect">
             <a:avLst/>
@@ -6002,17 +5597,17 @@
           <a:lstStyle/>
           <a:p>
             <a:r>
-              <a:rPr kumimoji="1" lang="ja-JP" altLang="en-US" sz="2400" dirty="0" smtClean="0"/>
-              <a:t>行動原理がバラバラで</a:t>
-            </a:r>
-            <a:endParaRPr kumimoji="1" lang="en-US" altLang="ja-JP" sz="2400" dirty="0" smtClean="0"/>
-          </a:p>
-          <a:p>
-            <a:r>
-              <a:rPr kumimoji="1" lang="ja-JP" altLang="en-US" sz="2400" dirty="0" smtClean="0"/>
-              <a:t>コンセンサスが得にくい</a:t>
-            </a:r>
-            <a:endParaRPr kumimoji="1" lang="ja-JP" altLang="en-US" sz="2400" dirty="0"/>
+              <a:rPr kumimoji="1" lang="ja-JP" altLang="en-US" sz="2800" dirty="0" smtClean="0"/>
+              <a:t>これでは行動原理が</a:t>
+            </a:r>
+            <a:endParaRPr kumimoji="1" lang="en-US" altLang="ja-JP" sz="2800" dirty="0" smtClean="0"/>
+          </a:p>
+          <a:p>
+            <a:r>
+              <a:rPr kumimoji="1" lang="ja-JP" altLang="en-US" sz="2800" dirty="0" smtClean="0"/>
+              <a:t>バラバラでコンセンサスが得にくい</a:t>
+            </a:r>
+            <a:endParaRPr kumimoji="1" lang="ja-JP" altLang="en-US" sz="2800" dirty="0"/>
           </a:p>
         </p:txBody>
       </p:sp>
@@ -6038,6 +5633,9 @@
                     <p:cTn id="3" fill="hold">
                       <p:stCondLst>
                         <p:cond delay="indefinite"/>
+                        <p:cond evt="onBegin" delay="0">
+                          <p:tn val="2"/>
+                        </p:cond>
                       </p:stCondLst>
                       <p:childTnLst>
                         <p:par>
@@ -6047,7 +5645,7 @@
                             </p:stCondLst>
                             <p:childTnLst>
                               <p:par>
-                                <p:cTn id="5" presetID="10" presetClass="entr" presetSubtype="0" fill="hold" grpId="0" nodeType="clickEffect">
+                                <p:cTn id="5" presetID="10" presetClass="entr" presetSubtype="0" fill="hold" grpId="0" nodeType="withEffect">
                                   <p:stCondLst>
                                     <p:cond delay="0"/>
                                   </p:stCondLst>
@@ -6055,41 +5653,6 @@
                                     <p:set>
                                       <p:cBhvr>
                                         <p:cTn id="6" dur="1" fill="hold">
-                                          <p:stCondLst>
-                                            <p:cond delay="0"/>
-                                          </p:stCondLst>
-                                        </p:cTn>
-                                        <p:tgtEl>
-                                          <p:spTgt spid="7"/>
-                                        </p:tgtEl>
-                                        <p:attrNameLst>
-                                          <p:attrName>style.visibility</p:attrName>
-                                        </p:attrNameLst>
-                                      </p:cBhvr>
-                                      <p:to>
-                                        <p:strVal val="visible"/>
-                                      </p:to>
-                                    </p:set>
-                                    <p:animEffect transition="in" filter="fade">
-                                      <p:cBhvr>
-                                        <p:cTn id="7" dur="500"/>
-                                        <p:tgtEl>
-                                          <p:spTgt spid="7"/>
-                                        </p:tgtEl>
-                                      </p:cBhvr>
-                                    </p:animEffect>
-                                  </p:childTnLst>
-                                </p:cTn>
-                              </p:par>
-                              <p:par>
-                                <p:cTn id="8" presetID="10" presetClass="entr" presetSubtype="0" fill="hold" grpId="0" nodeType="withEffect">
-                                  <p:stCondLst>
-                                    <p:cond delay="0"/>
-                                  </p:stCondLst>
-                                  <p:childTnLst>
-                                    <p:set>
-                                      <p:cBhvr>
-                                        <p:cTn id="9" dur="1" fill="hold">
                                           <p:stCondLst>
                                             <p:cond delay="0"/>
                                           </p:stCondLst>
@@ -6107,9 +5670,217 @@
                                     </p:set>
                                     <p:animEffect transition="in" filter="fade">
                                       <p:cBhvr>
-                                        <p:cTn id="10" dur="500"/>
+                                        <p:cTn id="7" dur="500"/>
                                         <p:tgtEl>
                                           <p:spTgt spid="6"/>
+                                        </p:tgtEl>
+                                      </p:cBhvr>
+                                    </p:animEffect>
+                                  </p:childTnLst>
+                                </p:cTn>
+                              </p:par>
+                            </p:childTnLst>
+                          </p:cTn>
+                        </p:par>
+                      </p:childTnLst>
+                    </p:cTn>
+                  </p:par>
+                  <p:par>
+                    <p:cTn id="8" fill="hold">
+                      <p:stCondLst>
+                        <p:cond delay="indefinite"/>
+                      </p:stCondLst>
+                      <p:childTnLst>
+                        <p:par>
+                          <p:cTn id="9" fill="hold">
+                            <p:stCondLst>
+                              <p:cond delay="0"/>
+                            </p:stCondLst>
+                            <p:childTnLst>
+                              <p:par>
+                                <p:cTn id="10" presetID="10" presetClass="entr" presetSubtype="0" fill="hold" nodeType="clickEffect">
+                                  <p:stCondLst>
+                                    <p:cond delay="0"/>
+                                  </p:stCondLst>
+                                  <p:childTnLst>
+                                    <p:set>
+                                      <p:cBhvr>
+                                        <p:cTn id="11" dur="1" fill="hold">
+                                          <p:stCondLst>
+                                            <p:cond delay="0"/>
+                                          </p:stCondLst>
+                                        </p:cTn>
+                                        <p:tgtEl>
+                                          <p:spTgt spid="6">
+                                            <p:txEl>
+                                              <p:pRg st="0" end="0"/>
+                                            </p:txEl>
+                                          </p:spTgt>
+                                        </p:tgtEl>
+                                        <p:attrNameLst>
+                                          <p:attrName>style.visibility</p:attrName>
+                                        </p:attrNameLst>
+                                      </p:cBhvr>
+                                      <p:to>
+                                        <p:strVal val="visible"/>
+                                      </p:to>
+                                    </p:set>
+                                    <p:animEffect transition="in" filter="fade">
+                                      <p:cBhvr>
+                                        <p:cTn id="12" dur="500"/>
+                                        <p:tgtEl>
+                                          <p:spTgt spid="6">
+                                            <p:txEl>
+                                              <p:pRg st="0" end="0"/>
+                                            </p:txEl>
+                                          </p:spTgt>
+                                        </p:tgtEl>
+                                      </p:cBhvr>
+                                    </p:animEffect>
+                                  </p:childTnLst>
+                                </p:cTn>
+                              </p:par>
+                              <p:par>
+                                <p:cTn id="13" presetID="10" presetClass="entr" presetSubtype="0" fill="hold" nodeType="withEffect">
+                                  <p:stCondLst>
+                                    <p:cond delay="0"/>
+                                  </p:stCondLst>
+                                  <p:childTnLst>
+                                    <p:set>
+                                      <p:cBhvr>
+                                        <p:cTn id="14" dur="1" fill="hold">
+                                          <p:stCondLst>
+                                            <p:cond delay="0"/>
+                                          </p:stCondLst>
+                                        </p:cTn>
+                                        <p:tgtEl>
+                                          <p:spTgt spid="6">
+                                            <p:txEl>
+                                              <p:pRg st="1" end="1"/>
+                                            </p:txEl>
+                                          </p:spTgt>
+                                        </p:tgtEl>
+                                        <p:attrNameLst>
+                                          <p:attrName>style.visibility</p:attrName>
+                                        </p:attrNameLst>
+                                      </p:cBhvr>
+                                      <p:to>
+                                        <p:strVal val="visible"/>
+                                      </p:to>
+                                    </p:set>
+                                    <p:animEffect transition="in" filter="fade">
+                                      <p:cBhvr>
+                                        <p:cTn id="15" dur="500"/>
+                                        <p:tgtEl>
+                                          <p:spTgt spid="6">
+                                            <p:txEl>
+                                              <p:pRg st="1" end="1"/>
+                                            </p:txEl>
+                                          </p:spTgt>
+                                        </p:tgtEl>
+                                      </p:cBhvr>
+                                    </p:animEffect>
+                                  </p:childTnLst>
+                                </p:cTn>
+                              </p:par>
+                            </p:childTnLst>
+                          </p:cTn>
+                        </p:par>
+                      </p:childTnLst>
+                    </p:cTn>
+                  </p:par>
+                  <p:par>
+                    <p:cTn id="16" fill="hold">
+                      <p:stCondLst>
+                        <p:cond delay="indefinite"/>
+                      </p:stCondLst>
+                      <p:childTnLst>
+                        <p:par>
+                          <p:cTn id="17" fill="hold">
+                            <p:stCondLst>
+                              <p:cond delay="0"/>
+                            </p:stCondLst>
+                            <p:childTnLst>
+                              <p:par>
+                                <p:cTn id="18" presetID="10" presetClass="entr" presetSubtype="0" fill="hold" nodeType="clickEffect">
+                                  <p:stCondLst>
+                                    <p:cond delay="0"/>
+                                  </p:stCondLst>
+                                  <p:childTnLst>
+                                    <p:set>
+                                      <p:cBhvr>
+                                        <p:cTn id="19" dur="1" fill="hold">
+                                          <p:stCondLst>
+                                            <p:cond delay="0"/>
+                                          </p:stCondLst>
+                                        </p:cTn>
+                                        <p:tgtEl>
+                                          <p:spTgt spid="5">
+                                            <p:txEl>
+                                              <p:pRg st="2" end="2"/>
+                                            </p:txEl>
+                                          </p:spTgt>
+                                        </p:tgtEl>
+                                        <p:attrNameLst>
+                                          <p:attrName>style.visibility</p:attrName>
+                                        </p:attrNameLst>
+                                      </p:cBhvr>
+                                      <p:to>
+                                        <p:strVal val="visible"/>
+                                      </p:to>
+                                    </p:set>
+                                    <p:animEffect transition="in" filter="fade">
+                                      <p:cBhvr>
+                                        <p:cTn id="20" dur="500"/>
+                                        <p:tgtEl>
+                                          <p:spTgt spid="5">
+                                            <p:txEl>
+                                              <p:pRg st="2" end="2"/>
+                                            </p:txEl>
+                                          </p:spTgt>
+                                        </p:tgtEl>
+                                      </p:cBhvr>
+                                    </p:animEffect>
+                                  </p:childTnLst>
+                                </p:cTn>
+                              </p:par>
+                              <p:par>
+                                <p:cTn id="21" presetID="10" presetClass="entr" presetSubtype="0" fill="hold" nodeType="withEffect">
+                                  <p:stCondLst>
+                                    <p:cond delay="0"/>
+                                  </p:stCondLst>
+                                  <p:childTnLst>
+                                    <p:set>
+                                      <p:cBhvr>
+                                        <p:cTn id="22" dur="1" fill="hold">
+                                          <p:stCondLst>
+                                            <p:cond delay="0"/>
+                                          </p:stCondLst>
+                                        </p:cTn>
+                                        <p:tgtEl>
+                                          <p:spTgt spid="5">
+                                            <p:txEl>
+                                              <p:pRg st="4" end="4"/>
+                                            </p:txEl>
+                                          </p:spTgt>
+                                        </p:tgtEl>
+                                        <p:attrNameLst>
+                                          <p:attrName>style.visibility</p:attrName>
+                                        </p:attrNameLst>
+                                      </p:cBhvr>
+                                      <p:to>
+                                        <p:strVal val="visible"/>
+                                      </p:to>
+                                    </p:set>
+                                    <p:animEffect transition="in" filter="fade">
+                                      <p:cBhvr>
+                                        <p:cTn id="23" dur="500"/>
+                                        <p:tgtEl>
+                                          <p:spTgt spid="5">
+                                            <p:txEl>
+                                              <p:pRg st="4" end="4"/>
+                                            </p:txEl>
+                                          </p:spTgt>
                                         </p:tgtEl>
                                       </p:cBhvr>
                                     </p:animEffect>
@@ -6144,170 +5915,8 @@
       </p:par>
     </p:tnLst>
     <p:bldLst>
-      <p:bldP spid="7" grpId="0" animBg="1"/>
       <p:bldP spid="6" grpId="0"/>
     </p:bldLst>
-  </p:timing>
-</p:sld>
-</file>
-
-<file path=ppt/slides/slide4.xml><?xml version="1.0" encoding="utf-8"?>
-<p:sld xmlns:a="http://schemas.openxmlformats.org/drawingml/2006/main" xmlns:r="http://schemas.openxmlformats.org/officeDocument/2006/relationships" xmlns:p="http://schemas.openxmlformats.org/presentationml/2006/main">
-  <p:cSld>
-    <p:spTree>
-      <p:nvGrpSpPr>
-        <p:cNvPr id="1" name=""/>
-        <p:cNvGrpSpPr/>
-        <p:nvPr/>
-      </p:nvGrpSpPr>
-      <p:grpSpPr>
-        <a:xfrm>
-          <a:off x="0" y="0"/>
-          <a:ext cx="0" cy="0"/>
-          <a:chOff x="0" y="0"/>
-          <a:chExt cx="0" cy="0"/>
-        </a:xfrm>
-      </p:grpSpPr>
-      <p:sp>
-        <p:nvSpPr>
-          <p:cNvPr id="2" name="タイトル 1"/>
-          <p:cNvSpPr>
-            <a:spLocks noGrp="1"/>
-          </p:cNvSpPr>
-          <p:nvPr>
-            <p:ph type="title"/>
-          </p:nvPr>
-        </p:nvSpPr>
-        <p:spPr/>
-        <p:txBody>
-          <a:bodyPr/>
-          <a:lstStyle/>
-          <a:p>
-            <a:r>
-              <a:rPr kumimoji="1" lang="ja-JP" altLang="en-US" dirty="0" smtClean="0"/>
-              <a:t>大規模プロジェクトの場合のポイント</a:t>
-            </a:r>
-            <a:endParaRPr kumimoji="1" lang="ja-JP" altLang="en-US" dirty="0"/>
-          </a:p>
-        </p:txBody>
-      </p:sp>
-      <p:sp>
-        <p:nvSpPr>
-          <p:cNvPr id="3" name="コンテンツ プレースホルダー 2"/>
-          <p:cNvSpPr>
-            <a:spLocks noGrp="1"/>
-          </p:cNvSpPr>
-          <p:nvPr>
-            <p:ph idx="1"/>
-          </p:nvPr>
-        </p:nvSpPr>
-        <p:spPr/>
-        <p:txBody>
-          <a:bodyPr/>
-          <a:lstStyle/>
-          <a:p>
-            <a:pPr lvl="1">
-              <a:buFont typeface="Wingdings" panose="05000000000000000000" pitchFamily="2" charset="2"/>
-              <a:buChar char="l"/>
-            </a:pPr>
-            <a:r>
-              <a:rPr kumimoji="1" lang="ja-JP" altLang="en-US" sz="2400" dirty="0" smtClean="0"/>
-              <a:t>プロジェクトの達成指数について，全てのステークホルダが納得できる「高い理念」に基づいたスコープを設定する</a:t>
-            </a:r>
-            <a:endParaRPr kumimoji="1" lang="en-US" altLang="ja-JP" sz="2400" dirty="0" smtClean="0"/>
-          </a:p>
-          <a:p>
-            <a:pPr lvl="1">
-              <a:buFont typeface="Wingdings" panose="05000000000000000000" pitchFamily="2" charset="2"/>
-              <a:buChar char="l"/>
-            </a:pPr>
-            <a:endParaRPr lang="en-US" altLang="ja-JP" sz="2400" dirty="0"/>
-          </a:p>
-          <a:p>
-            <a:pPr lvl="1">
-              <a:buFont typeface="Wingdings" panose="05000000000000000000" pitchFamily="2" charset="2"/>
-              <a:buChar char="l"/>
-            </a:pPr>
-            <a:r>
-              <a:rPr kumimoji="1" lang="ja-JP" altLang="en-US" sz="2400" dirty="0" smtClean="0"/>
-              <a:t>プロジェクトの運営が公平・公明に行われる</a:t>
-            </a:r>
-            <a:endParaRPr kumimoji="1" lang="en-US" altLang="ja-JP" sz="2400" dirty="0" smtClean="0"/>
-          </a:p>
-          <a:p>
-            <a:pPr lvl="1">
-              <a:buFont typeface="Wingdings" panose="05000000000000000000" pitchFamily="2" charset="2"/>
-              <a:buChar char="l"/>
-            </a:pPr>
-            <a:endParaRPr lang="en-US" altLang="ja-JP" sz="2400" dirty="0"/>
-          </a:p>
-          <a:p>
-            <a:pPr lvl="1">
-              <a:buFont typeface="Wingdings" panose="05000000000000000000" pitchFamily="2" charset="2"/>
-              <a:buChar char="l"/>
-            </a:pPr>
-            <a:r>
-              <a:rPr kumimoji="1" lang="ja-JP" altLang="en-US" sz="2400" dirty="0" smtClean="0"/>
-              <a:t>全てのステークホルダに，必要十分な情報がタイムリーに行き渡り，公開を前提としたプロジェクトの意思決定に平等な</a:t>
-            </a:r>
-            <a:r>
-              <a:rPr lang="ja-JP" altLang="en-US" sz="2400" dirty="0"/>
-              <a:t>立場</a:t>
-            </a:r>
-            <a:r>
-              <a:rPr lang="ja-JP" altLang="en-US" sz="2400" dirty="0" smtClean="0"/>
-              <a:t>で参加できること</a:t>
-            </a:r>
-            <a:endParaRPr kumimoji="1" lang="en-US" altLang="ja-JP" sz="2400" dirty="0"/>
-          </a:p>
-          <a:p>
-            <a:pPr lvl="1">
-              <a:buFont typeface="Wingdings" panose="05000000000000000000" pitchFamily="2" charset="2"/>
-              <a:buChar char="l"/>
-            </a:pPr>
-            <a:endParaRPr kumimoji="1" lang="ja-JP" altLang="en-US" dirty="0"/>
-          </a:p>
-        </p:txBody>
-      </p:sp>
-      <p:sp>
-        <p:nvSpPr>
-          <p:cNvPr id="4" name="スライド番号プレースホルダー 3"/>
-          <p:cNvSpPr>
-            <a:spLocks noGrp="1"/>
-          </p:cNvSpPr>
-          <p:nvPr>
-            <p:ph type="sldNum" sz="quarter" idx="12"/>
-          </p:nvPr>
-        </p:nvSpPr>
-        <p:spPr/>
-        <p:txBody>
-          <a:bodyPr/>
-          <a:lstStyle/>
-          <a:p>
-            <a:fld id="{A4E6642C-D3C9-4DC2-8962-09BE970CAC7A}" type="slidenum">
-              <a:rPr kumimoji="1" lang="ja-JP" altLang="en-US" smtClean="0"/>
-              <a:t>4</a:t>
-            </a:fld>
-            <a:endParaRPr kumimoji="1" lang="ja-JP" altLang="en-US"/>
-          </a:p>
-        </p:txBody>
-      </p:sp>
-    </p:spTree>
-    <p:extLst>
-      <p:ext uri="{BB962C8B-B14F-4D97-AF65-F5344CB8AC3E}">
-        <p14:creationId xmlns:p14="http://schemas.microsoft.com/office/powerpoint/2010/main" val="613263784"/>
-      </p:ext>
-    </p:extLst>
-  </p:cSld>
-  <p:clrMapOvr>
-    <a:masterClrMapping/>
-  </p:clrMapOvr>
-  <p:timing>
-    <p:tnLst>
-      <p:par>
-        <p:cTn id="1" dur="indefinite" restart="never" nodeType="tmRoot"/>
-      </p:par>
-    </p:tnLst>
   </p:timing>
 </p:sld>
 </file>
@@ -6346,7 +5955,7 @@
           <a:p>
             <a:r>
               <a:rPr kumimoji="1" lang="ja-JP" altLang="en-US" dirty="0" smtClean="0"/>
-              <a:t>プロジェクトの概要</a:t>
+              <a:t>大規模プロジェクトの場合のポイント</a:t>
             </a:r>
             <a:endParaRPr kumimoji="1" lang="ja-JP" altLang="en-US" dirty="0"/>
           </a:p>
@@ -6366,61 +5975,66 @@
         <p:txBody>
           <a:bodyPr/>
           <a:lstStyle/>
-          <a:p>
-            <a:pPr>
-              <a:buFont typeface="Wingdings" panose="05000000000000000000" pitchFamily="2" charset="2"/>
-              <a:buChar char="l"/>
-            </a:pPr>
-            <a:r>
-              <a:rPr lang="en-US" altLang="ja-JP" dirty="0"/>
-              <a:t>SUICA</a:t>
-            </a:r>
-            <a:r>
-              <a:rPr kumimoji="1" lang="ja-JP" altLang="en-US" dirty="0" err="1" smtClean="0"/>
-              <a:t>，</a:t>
-            </a:r>
-            <a:r>
-              <a:rPr kumimoji="1" lang="en-US" altLang="ja-JP" dirty="0" smtClean="0"/>
-              <a:t>PASMO</a:t>
-            </a:r>
-            <a:r>
-              <a:rPr kumimoji="1" lang="ja-JP" altLang="en-US" dirty="0" smtClean="0"/>
-              <a:t>等の</a:t>
-            </a:r>
-            <a:r>
-              <a:rPr kumimoji="1" lang="en-US" altLang="ja-JP" dirty="0" smtClean="0"/>
-              <a:t>IC</a:t>
-            </a:r>
-            <a:r>
-              <a:rPr kumimoji="1" lang="ja-JP" altLang="en-US" dirty="0" smtClean="0"/>
-              <a:t>カード</a:t>
-            </a:r>
-            <a:r>
-              <a:rPr lang="ja-JP" altLang="en-US" dirty="0" smtClean="0"/>
-              <a:t>乗車券開発のベースとなった汎用電子乗車券開発プロジェクト</a:t>
-            </a:r>
-            <a:endParaRPr lang="en-US" altLang="ja-JP" dirty="0" smtClean="0"/>
-          </a:p>
           <a:p>
             <a:pPr lvl="1">
               <a:buFont typeface="Wingdings" panose="05000000000000000000" pitchFamily="2" charset="2"/>
               <a:buChar char="l"/>
             </a:pPr>
             <a:r>
-              <a:rPr lang="ja-JP" altLang="en-US" dirty="0" smtClean="0"/>
-              <a:t>従来鉄道業界とバス業界でばらばらだった乗車券の仕様を統一する交通・運輸業界全体に関わる　　調整</a:t>
-            </a:r>
-            <a:endParaRPr lang="en-US" altLang="ja-JP" dirty="0" smtClean="0"/>
+              <a:rPr kumimoji="1" lang="ja-JP" altLang="en-US" sz="2400" dirty="0" smtClean="0"/>
+              <a:t>プロジェクトの達成指数について，全てのステークホルダが納得できる「高い理念」に基づいたスコープを設定する</a:t>
+            </a:r>
+            <a:endParaRPr kumimoji="1" lang="en-US" altLang="ja-JP" sz="2400" dirty="0" smtClean="0"/>
           </a:p>
           <a:p>
             <a:pPr lvl="1">
               <a:buFont typeface="Wingdings" panose="05000000000000000000" pitchFamily="2" charset="2"/>
               <a:buChar char="l"/>
             </a:pPr>
-            <a:r>
-              <a:rPr kumimoji="1" lang="ja-JP" altLang="en-US" dirty="0" smtClean="0"/>
-              <a:t>競争企業同士を一つの方向にまとめる</a:t>
-            </a:r>
+            <a:endParaRPr lang="en-US" altLang="ja-JP" sz="2400" dirty="0"/>
+          </a:p>
+          <a:p>
+            <a:pPr lvl="1">
+              <a:buFont typeface="Wingdings" panose="05000000000000000000" pitchFamily="2" charset="2"/>
+              <a:buChar char="l"/>
+            </a:pPr>
+            <a:r>
+              <a:rPr kumimoji="1" lang="ja-JP" altLang="en-US" sz="2400" dirty="0" smtClean="0"/>
+              <a:t>プロジェクトの運営が公平・公明に行われる</a:t>
+            </a:r>
+            <a:endParaRPr kumimoji="1" lang="en-US" altLang="ja-JP" sz="2400" dirty="0" smtClean="0"/>
+          </a:p>
+          <a:p>
+            <a:pPr lvl="1">
+              <a:buFont typeface="Wingdings" panose="05000000000000000000" pitchFamily="2" charset="2"/>
+              <a:buChar char="l"/>
+            </a:pPr>
+            <a:endParaRPr lang="en-US" altLang="ja-JP" sz="2400" dirty="0"/>
+          </a:p>
+          <a:p>
+            <a:pPr lvl="1">
+              <a:buFont typeface="Wingdings" panose="05000000000000000000" pitchFamily="2" charset="2"/>
+              <a:buChar char="l"/>
+            </a:pPr>
+            <a:r>
+              <a:rPr kumimoji="1" lang="ja-JP" altLang="en-US" sz="2400" dirty="0" smtClean="0"/>
+              <a:t>全てのステークホルダに，必要十分な情報がタイムリーに行き渡り，公開を前提としたプロジェクトの意思決定に平等な</a:t>
+            </a:r>
+            <a:r>
+              <a:rPr lang="ja-JP" altLang="en-US" sz="2400" dirty="0"/>
+              <a:t>立場</a:t>
+            </a:r>
+            <a:r>
+              <a:rPr lang="ja-JP" altLang="en-US" sz="2400" dirty="0" smtClean="0"/>
+              <a:t>で参加できること</a:t>
+            </a:r>
+            <a:endParaRPr kumimoji="1" lang="en-US" altLang="ja-JP" sz="2400" dirty="0"/>
+          </a:p>
+          <a:p>
+            <a:pPr lvl="1">
+              <a:buFont typeface="Wingdings" panose="05000000000000000000" pitchFamily="2" charset="2"/>
+              <a:buChar char="l"/>
+            </a:pPr>
             <a:endParaRPr kumimoji="1" lang="ja-JP" altLang="en-US" dirty="0"/>
           </a:p>
         </p:txBody>
@@ -6451,7 +6065,7 @@
     </p:spTree>
     <p:extLst>
       <p:ext uri="{BB962C8B-B14F-4D97-AF65-F5344CB8AC3E}">
-        <p14:creationId xmlns:p14="http://schemas.microsoft.com/office/powerpoint/2010/main" val="2710493664"/>
+        <p14:creationId xmlns:p14="http://schemas.microsoft.com/office/powerpoint/2010/main" val="613263784"/>
       </p:ext>
     </p:extLst>
   </p:cSld>
@@ -6501,12 +6115,8 @@
           <a:lstStyle/>
           <a:p>
             <a:r>
-              <a:rPr kumimoji="1" lang="en-US" altLang="ja-JP" dirty="0" smtClean="0"/>
-              <a:t>IC</a:t>
-            </a:r>
-            <a:r>
               <a:rPr kumimoji="1" lang="ja-JP" altLang="en-US" dirty="0" smtClean="0"/>
-              <a:t>カード乗車券の課題</a:t>
+              <a:t>プロジェクトの概要</a:t>
             </a:r>
             <a:endParaRPr kumimoji="1" lang="ja-JP" altLang="en-US" dirty="0"/>
           </a:p>
@@ -6522,12 +6132,7 @@
             <p:ph idx="1"/>
           </p:nvPr>
         </p:nvSpPr>
-        <p:spPr>
-          <a:xfrm>
-            <a:off x="1097280" y="1845734"/>
-            <a:ext cx="10058400" cy="4272678"/>
-          </a:xfrm>
-        </p:spPr>
+        <p:spPr/>
         <p:txBody>
           <a:bodyPr/>
           <a:lstStyle/>
@@ -6537,8 +6142,32 @@
               <a:buChar char="l"/>
             </a:pPr>
             <a:r>
+              <a:rPr lang="en-US" altLang="ja-JP" dirty="0"/>
+              <a:t>SUICA</a:t>
+            </a:r>
+            <a:r>
+              <a:rPr kumimoji="1" lang="ja-JP" altLang="en-US" dirty="0" err="1" smtClean="0"/>
+              <a:t>，</a:t>
+            </a:r>
+            <a:r>
+              <a:rPr kumimoji="1" lang="en-US" altLang="ja-JP" dirty="0" smtClean="0"/>
+              <a:t>PASMO</a:t>
+            </a:r>
+            <a:r>
               <a:rPr kumimoji="1" lang="ja-JP" altLang="en-US" dirty="0" smtClean="0"/>
-              <a:t>磁気式乗車券固有の問題・課題</a:t>
+              <a:t>等の</a:t>
+            </a:r>
+            <a:r>
+              <a:rPr kumimoji="1" lang="en-US" altLang="ja-JP" dirty="0" smtClean="0"/>
+              <a:t>IC</a:t>
+            </a:r>
+            <a:r>
+              <a:rPr kumimoji="1" lang="ja-JP" altLang="en-US" dirty="0" smtClean="0"/>
+              <a:t>カード</a:t>
+            </a:r>
+            <a:r>
+              <a:rPr lang="ja-JP" altLang="en-US" dirty="0" smtClean="0"/>
+              <a:t>乗車券開発のベースとなった汎用電子乗車券開発プロジェクト</a:t>
             </a:r>
             <a:endParaRPr lang="en-US" altLang="ja-JP" dirty="0" smtClean="0"/>
           </a:p>
@@ -6548,10 +6177,10 @@
               <a:buChar char="l"/>
             </a:pPr>
             <a:r>
-              <a:rPr kumimoji="1" lang="ja-JP" altLang="en-US" dirty="0" smtClean="0"/>
-              <a:t>改札口を通る度に定期券や乗車券を自動改札機に出し入れすること</a:t>
-            </a:r>
-            <a:endParaRPr kumimoji="1" lang="en-US" altLang="ja-JP" dirty="0" smtClean="0"/>
+              <a:rPr lang="ja-JP" altLang="en-US" dirty="0" smtClean="0"/>
+              <a:t>従来鉄道業界とバス業界でばらばらだった乗車券の仕様を統一する交通・運輸業界全体に関わる　　調整</a:t>
+            </a:r>
+            <a:endParaRPr lang="en-US" altLang="ja-JP" dirty="0" smtClean="0"/>
           </a:p>
           <a:p>
             <a:pPr lvl="1">
@@ -6559,119 +6188,10 @@
               <a:buChar char="l"/>
             </a:pPr>
             <a:r>
-              <a:rPr lang="ja-JP" altLang="en-US" dirty="0" smtClean="0"/>
-              <a:t>定期券の再発行が行えないため，紛失・盗難の対応が難しい</a:t>
-            </a:r>
-            <a:endParaRPr kumimoji="1" lang="en-US" altLang="ja-JP" dirty="0" smtClean="0"/>
-          </a:p>
-          <a:p>
-            <a:pPr lvl="1">
-              <a:buFont typeface="Wingdings" panose="05000000000000000000" pitchFamily="2" charset="2"/>
-              <a:buChar char="l"/>
-            </a:pPr>
-            <a:r>
               <a:rPr kumimoji="1" lang="ja-JP" altLang="en-US" dirty="0" smtClean="0"/>
-              <a:t>自動改札の差込口が高いところにある</a:t>
-            </a:r>
-            <a:endParaRPr lang="en-US" altLang="ja-JP" dirty="0" smtClean="0"/>
-          </a:p>
-          <a:p>
-            <a:pPr lvl="1">
-              <a:buFont typeface="Wingdings" panose="05000000000000000000" pitchFamily="2" charset="2"/>
-              <a:buChar char="l"/>
-            </a:pPr>
-            <a:r>
-              <a:rPr kumimoji="1" lang="ja-JP" altLang="en-US" dirty="0"/>
-              <a:t>自動</a:t>
-            </a:r>
-            <a:r>
-              <a:rPr kumimoji="1" lang="ja-JP" altLang="en-US" dirty="0" smtClean="0"/>
-              <a:t>改札のメンテナンスコスト負担</a:t>
-            </a:r>
-            <a:endParaRPr kumimoji="1" lang="en-US" altLang="ja-JP" dirty="0"/>
-          </a:p>
-          <a:p>
-            <a:pPr>
-              <a:buFont typeface="Wingdings" panose="05000000000000000000" pitchFamily="2" charset="2"/>
-              <a:buChar char="l"/>
-            </a:pPr>
-            <a:r>
-              <a:rPr lang="ja-JP" altLang="en-US" dirty="0" smtClean="0"/>
-              <a:t>規格統一</a:t>
-            </a:r>
-            <a:endParaRPr lang="en-US" altLang="ja-JP" dirty="0" smtClean="0"/>
-          </a:p>
-          <a:p>
-            <a:pPr lvl="1">
-              <a:buFont typeface="Wingdings" panose="05000000000000000000" pitchFamily="2" charset="2"/>
-              <a:buChar char="l"/>
-            </a:pPr>
-            <a:r>
-              <a:rPr kumimoji="1" lang="ja-JP" altLang="en-US" dirty="0" smtClean="0"/>
-              <a:t>東日本と西日本のカードの磁気情報の並び方に関する規格の違い，及び情報処理手順の違い</a:t>
-            </a:r>
-            <a:endParaRPr kumimoji="1" lang="en-US" altLang="ja-JP" dirty="0" smtClean="0"/>
-          </a:p>
-          <a:p>
-            <a:pPr lvl="1">
-              <a:buFont typeface="Wingdings" panose="05000000000000000000" pitchFamily="2" charset="2"/>
-              <a:buChar char="l"/>
-            </a:pPr>
-            <a:r>
-              <a:rPr lang="ja-JP" altLang="en-US" dirty="0" smtClean="0"/>
-              <a:t>同じ</a:t>
-            </a:r>
-            <a:r>
-              <a:rPr lang="ja-JP" altLang="en-US" dirty="0"/>
-              <a:t>鉄道</a:t>
-            </a:r>
-            <a:r>
-              <a:rPr lang="ja-JP" altLang="en-US" dirty="0" smtClean="0"/>
-              <a:t>グループの中でもバスと鉄道でカードの規格が異なっている</a:t>
-            </a:r>
-            <a:endParaRPr kumimoji="1" lang="en-US" altLang="ja-JP" dirty="0"/>
-          </a:p>
-          <a:p>
-            <a:pPr>
-              <a:buFont typeface="Wingdings" panose="05000000000000000000" pitchFamily="2" charset="2"/>
-              <a:buChar char="l"/>
-            </a:pPr>
-            <a:r>
-              <a:rPr lang="ja-JP" altLang="en-US" dirty="0" smtClean="0"/>
-              <a:t>国際標準</a:t>
-            </a:r>
-            <a:endParaRPr lang="en-US" altLang="ja-JP" dirty="0" smtClean="0"/>
-          </a:p>
-          <a:p>
-            <a:pPr lvl="1">
-              <a:buFont typeface="Wingdings" panose="05000000000000000000" pitchFamily="2" charset="2"/>
-              <a:buChar char="l"/>
-            </a:pPr>
-            <a:r>
-              <a:rPr kumimoji="1" lang="ja-JP" altLang="en-US" dirty="0"/>
-              <a:t>日本</a:t>
-            </a:r>
-            <a:r>
-              <a:rPr kumimoji="1" lang="ja-JP" altLang="en-US" dirty="0" smtClean="0"/>
-              <a:t>と香港で採用された</a:t>
-            </a:r>
-            <a:r>
-              <a:rPr kumimoji="1" lang="en-US" altLang="ja-JP" dirty="0" smtClean="0"/>
-              <a:t>IC</a:t>
-            </a:r>
-            <a:r>
-              <a:rPr kumimoji="1" lang="ja-JP" altLang="en-US" dirty="0" smtClean="0"/>
-              <a:t>カードの仕様は，</a:t>
-            </a:r>
-            <a:r>
-              <a:rPr kumimoji="1" lang="en-US" altLang="ja-JP" dirty="0" smtClean="0"/>
-              <a:t>ISO</a:t>
-            </a:r>
-            <a:r>
-              <a:rPr kumimoji="1" lang="ja-JP" altLang="en-US" dirty="0" smtClean="0"/>
-              <a:t>規格として採用される方向になかった</a:t>
-            </a:r>
-            <a:endParaRPr kumimoji="1" lang="en-US" altLang="ja-JP" dirty="0" smtClean="0"/>
+              <a:t>競争企業同士を一つの方向にまとめる</a:t>
+            </a:r>
+            <a:endParaRPr kumimoji="1" lang="ja-JP" altLang="en-US" dirty="0"/>
           </a:p>
         </p:txBody>
       </p:sp>
@@ -6701,7 +6221,7 @@
     </p:spTree>
     <p:extLst>
       <p:ext uri="{BB962C8B-B14F-4D97-AF65-F5344CB8AC3E}">
-        <p14:creationId xmlns:p14="http://schemas.microsoft.com/office/powerpoint/2010/main" val="708444536"/>
+        <p14:creationId xmlns:p14="http://schemas.microsoft.com/office/powerpoint/2010/main" val="2710493664"/>
       </p:ext>
     </p:extLst>
   </p:cSld>
@@ -6751,8 +6271,12 @@
           <a:lstStyle/>
           <a:p>
             <a:r>
+              <a:rPr kumimoji="1" lang="en-US" altLang="ja-JP" dirty="0" smtClean="0"/>
+              <a:t>IC</a:t>
+            </a:r>
+            <a:r>
               <a:rPr kumimoji="1" lang="ja-JP" altLang="en-US" dirty="0" smtClean="0"/>
-              <a:t>他のタイプ</a:t>
+              <a:t>カード乗車券の課題</a:t>
             </a:r>
             <a:endParaRPr kumimoji="1" lang="ja-JP" altLang="en-US" dirty="0"/>
           </a:p>
@@ -6768,87 +6292,126 @@
             <p:ph idx="1"/>
           </p:nvPr>
         </p:nvSpPr>
-        <p:spPr/>
+        <p:spPr>
+          <a:xfrm>
+            <a:off x="1097280" y="1845734"/>
+            <a:ext cx="10058400" cy="4272678"/>
+          </a:xfrm>
+        </p:spPr>
         <p:txBody>
           <a:bodyPr/>
           <a:lstStyle/>
           <a:p>
+            <a:pPr>
+              <a:buFont typeface="Wingdings" panose="05000000000000000000" pitchFamily="2" charset="2"/>
+              <a:buChar char="l"/>
+            </a:pPr>
             <a:r>
               <a:rPr kumimoji="1" lang="ja-JP" altLang="en-US" dirty="0" smtClean="0"/>
-              <a:t>タイプ</a:t>
+              <a:t>磁気式乗車券固有の問題・課題</a:t>
+            </a:r>
+            <a:endParaRPr lang="en-US" altLang="ja-JP" dirty="0" smtClean="0"/>
+          </a:p>
+          <a:p>
+            <a:pPr lvl="1">
+              <a:buFont typeface="Wingdings" panose="05000000000000000000" pitchFamily="2" charset="2"/>
+              <a:buChar char="l"/>
+            </a:pPr>
+            <a:r>
+              <a:rPr kumimoji="1" lang="ja-JP" altLang="en-US" dirty="0" smtClean="0"/>
+              <a:t>改札口を通る度に定期券や乗車券を自動改札機に出し入れすること</a:t>
+            </a:r>
+            <a:endParaRPr kumimoji="1" lang="en-US" altLang="ja-JP" dirty="0" smtClean="0"/>
+          </a:p>
+          <a:p>
+            <a:pPr lvl="1">
+              <a:buFont typeface="Wingdings" panose="05000000000000000000" pitchFamily="2" charset="2"/>
+              <a:buChar char="l"/>
+            </a:pPr>
+            <a:r>
+              <a:rPr lang="ja-JP" altLang="en-US" dirty="0" smtClean="0"/>
+              <a:t>定期券の再発行が行えないため，紛失・盗難の対応が難しい</a:t>
+            </a:r>
+            <a:endParaRPr lang="en-US" altLang="ja-JP" dirty="0" smtClean="0"/>
+          </a:p>
+          <a:p>
+            <a:r>
+              <a:rPr lang="ja-JP" altLang="en-US" dirty="0" smtClean="0"/>
+              <a:t>規格統一</a:t>
+            </a:r>
+            <a:endParaRPr lang="en-US" altLang="ja-JP" dirty="0" smtClean="0"/>
+          </a:p>
+          <a:p>
+            <a:pPr lvl="1">
+              <a:buFont typeface="Wingdings" panose="05000000000000000000" pitchFamily="2" charset="2"/>
+              <a:buChar char="l"/>
+            </a:pPr>
+            <a:r>
+              <a:rPr kumimoji="1" lang="ja-JP" altLang="en-US" dirty="0" smtClean="0"/>
+              <a:t>東日本と西日本のカードの磁気情報の並び方に関する規格の違い，及び情報処理手順の違い</a:t>
+            </a:r>
+            <a:endParaRPr kumimoji="1" lang="en-US" altLang="ja-JP" dirty="0" smtClean="0"/>
+          </a:p>
+          <a:p>
+            <a:pPr lvl="1">
+              <a:buFont typeface="Wingdings" panose="05000000000000000000" pitchFamily="2" charset="2"/>
+              <a:buChar char="l"/>
+            </a:pPr>
+            <a:r>
+              <a:rPr lang="ja-JP" altLang="en-US" dirty="0" smtClean="0"/>
+              <a:t>同じ</a:t>
+            </a:r>
+            <a:r>
+              <a:rPr lang="ja-JP" altLang="en-US" dirty="0"/>
+              <a:t>鉄道</a:t>
+            </a:r>
+            <a:r>
+              <a:rPr lang="ja-JP" altLang="en-US" dirty="0" smtClean="0"/>
+              <a:t>グループの中でもバスと鉄道でカードの規格が異なっている</a:t>
+            </a:r>
+            <a:endParaRPr kumimoji="1" lang="en-US" altLang="ja-JP" dirty="0"/>
+          </a:p>
+          <a:p>
+            <a:pPr>
+              <a:buFont typeface="Wingdings" panose="05000000000000000000" pitchFamily="2" charset="2"/>
+              <a:buChar char="l"/>
+            </a:pPr>
+            <a:r>
+              <a:rPr lang="ja-JP" altLang="en-US" dirty="0" smtClean="0"/>
+              <a:t>国際標準</a:t>
+            </a:r>
+            <a:endParaRPr lang="en-US" altLang="ja-JP" dirty="0" smtClean="0"/>
+          </a:p>
+          <a:p>
+            <a:pPr lvl="1">
+              <a:buFont typeface="Wingdings" panose="05000000000000000000" pitchFamily="2" charset="2"/>
+              <a:buChar char="l"/>
+            </a:pPr>
+            <a:r>
+              <a:rPr kumimoji="1" lang="ja-JP" altLang="en-US" dirty="0"/>
+              <a:t>日本</a:t>
+            </a:r>
+            <a:r>
+              <a:rPr kumimoji="1" lang="ja-JP" altLang="en-US" dirty="0" smtClean="0"/>
+              <a:t>と香港で採用された</a:t>
             </a:r>
             <a:r>
               <a:rPr kumimoji="1" lang="en-US" altLang="ja-JP" dirty="0" smtClean="0"/>
-              <a:t>A</a:t>
-            </a:r>
-          </a:p>
-          <a:p>
-            <a:pPr lvl="1"/>
-            <a:r>
-              <a:rPr lang="ja-JP" altLang="en-US" dirty="0" smtClean="0"/>
-              <a:t>長所：世界中に普及している</a:t>
-            </a:r>
-            <a:endParaRPr lang="en-US" altLang="ja-JP" dirty="0" smtClean="0"/>
-          </a:p>
-          <a:p>
-            <a:pPr lvl="1"/>
+              <a:t>IC</a:t>
+            </a:r>
             <a:r>
               <a:rPr kumimoji="1" lang="ja-JP" altLang="en-US" dirty="0" smtClean="0"/>
-              <a:t>短所：プロトコルが高速処理向きでない，通信速度が上げられない</a:t>
+              <a:t>カードの仕様は，</a:t>
+            </a:r>
+            <a:r>
+              <a:rPr kumimoji="1" lang="en-US" altLang="ja-JP" dirty="0" smtClean="0"/>
+              <a:t>ISO</a:t>
+            </a:r>
+            <a:r>
+              <a:rPr kumimoji="1" lang="ja-JP" altLang="en-US" dirty="0" smtClean="0"/>
+              <a:t>規格として採用される方向になかった</a:t>
             </a:r>
             <a:endParaRPr kumimoji="1" lang="en-US" altLang="ja-JP" dirty="0" smtClean="0"/>
-          </a:p>
-          <a:p>
-            <a:r>
-              <a:rPr lang="ja-JP" altLang="en-US" dirty="0" smtClean="0"/>
-              <a:t>タイプ</a:t>
-            </a:r>
-            <a:r>
-              <a:rPr lang="en-US" altLang="ja-JP" dirty="0" smtClean="0"/>
-              <a:t>B</a:t>
-            </a:r>
-          </a:p>
-          <a:p>
-            <a:pPr lvl="1"/>
-            <a:r>
-              <a:rPr lang="ja-JP" altLang="en-US" dirty="0" smtClean="0"/>
-              <a:t>長所：通信速度の高速化が可能</a:t>
-            </a:r>
-            <a:endParaRPr lang="en-US" altLang="ja-JP" dirty="0" smtClean="0"/>
-          </a:p>
-          <a:p>
-            <a:pPr lvl="1"/>
-            <a:r>
-              <a:rPr lang="ja-JP" altLang="en-US" dirty="0" smtClean="0"/>
-              <a:t>短所：プロトコルが高速処理向きでない</a:t>
-            </a:r>
-            <a:endParaRPr lang="en-US" altLang="ja-JP" dirty="0" smtClean="0"/>
-          </a:p>
-          <a:p>
-            <a:r>
-              <a:rPr lang="ja-JP" altLang="en-US" dirty="0" smtClean="0"/>
-              <a:t>タイプ</a:t>
-            </a:r>
-            <a:r>
-              <a:rPr lang="en-US" altLang="ja-JP" dirty="0" smtClean="0"/>
-              <a:t>C</a:t>
-            </a:r>
-          </a:p>
-          <a:p>
-            <a:pPr lvl="1"/>
-            <a:r>
-              <a:rPr lang="ja-JP" altLang="en-US" dirty="0" smtClean="0"/>
-              <a:t>長所：プロトコルが高速</a:t>
-            </a:r>
-            <a:endParaRPr lang="en-US" altLang="ja-JP" dirty="0" smtClean="0"/>
-          </a:p>
-          <a:p>
-            <a:pPr lvl="1"/>
-            <a:r>
-              <a:rPr lang="ja-JP" altLang="en-US" dirty="0" smtClean="0"/>
-              <a:t>短所：通信速度が上げられない</a:t>
-            </a:r>
-            <a:endParaRPr lang="en-US" altLang="ja-JP" dirty="0"/>
           </a:p>
         </p:txBody>
       </p:sp>
@@ -6878,18 +6441,25 @@
     </p:spTree>
     <p:extLst>
       <p:ext uri="{BB962C8B-B14F-4D97-AF65-F5344CB8AC3E}">
-        <p14:creationId xmlns:p14="http://schemas.microsoft.com/office/powerpoint/2010/main" val="2813947643"/>
+        <p14:creationId xmlns:p14="http://schemas.microsoft.com/office/powerpoint/2010/main" val="708444536"/>
       </p:ext>
     </p:extLst>
   </p:cSld>
   <p:clrMapOvr>
     <a:masterClrMapping/>
   </p:clrMapOvr>
+  <p:timing>
+    <p:tnLst>
+      <p:par>
+        <p:cTn id="1" dur="indefinite" restart="never" nodeType="tmRoot"/>
+      </p:par>
+    </p:tnLst>
+  </p:timing>
 </p:sld>
 </file>
 
 <file path=ppt/slides/slide8.xml><?xml version="1.0" encoding="utf-8"?>
-<p:sld xmlns:a="http://schemas.openxmlformats.org/drawingml/2006/main" xmlns:r="http://schemas.openxmlformats.org/officeDocument/2006/relationships" xmlns:p="http://schemas.openxmlformats.org/presentationml/2006/main" show="0">
+<p:sld xmlns:a="http://schemas.openxmlformats.org/drawingml/2006/main" xmlns:r="http://schemas.openxmlformats.org/officeDocument/2006/relationships" xmlns:p="http://schemas.openxmlformats.org/presentationml/2006/main">
   <p:cSld>
     <p:spTree>
       <p:nvGrpSpPr>
@@ -6922,7 +6492,7 @@
           <a:p>
             <a:r>
               <a:rPr kumimoji="1" lang="ja-JP" altLang="en-US" dirty="0" smtClean="0"/>
-              <a:t>プロジェクトの体制</a:t>
+              <a:t>他のタイプ</a:t>
             </a:r>
             <a:endParaRPr kumimoji="1" lang="ja-JP" altLang="en-US" dirty="0"/>
           </a:p>
@@ -6945,71 +6515,80 @@
           <a:p>
             <a:r>
               <a:rPr kumimoji="1" lang="ja-JP" altLang="en-US" dirty="0" smtClean="0"/>
-              <a:t>行政のスタンス</a:t>
+              <a:t>タイプ</a:t>
+            </a:r>
+            <a:r>
+              <a:rPr kumimoji="1" lang="en-US" altLang="ja-JP" dirty="0" smtClean="0"/>
+              <a:t>A</a:t>
+            </a:r>
+          </a:p>
+          <a:p>
+            <a:pPr lvl="1"/>
+            <a:r>
+              <a:rPr lang="ja-JP" altLang="en-US" dirty="0" smtClean="0"/>
+              <a:t>長所：世界中に普及している</a:t>
+            </a:r>
+            <a:endParaRPr lang="en-US" altLang="ja-JP" dirty="0" smtClean="0"/>
+          </a:p>
+          <a:p>
+            <a:pPr lvl="1"/>
+            <a:r>
+              <a:rPr kumimoji="1" lang="ja-JP" altLang="en-US" dirty="0" smtClean="0"/>
+              <a:t>短所：プロトコルが高速処理向きでない，通信速度が上げられない</a:t>
             </a:r>
             <a:endParaRPr kumimoji="1" lang="en-US" altLang="ja-JP" dirty="0" smtClean="0"/>
           </a:p>
           <a:p>
+            <a:r>
+              <a:rPr lang="ja-JP" altLang="en-US" dirty="0" smtClean="0"/>
+              <a:t>タイプ</a:t>
+            </a:r>
+            <a:r>
+              <a:rPr lang="en-US" altLang="ja-JP" dirty="0" smtClean="0"/>
+              <a:t>B</a:t>
+            </a:r>
+          </a:p>
+          <a:p>
             <a:pPr lvl="1"/>
             <a:r>
-              <a:rPr lang="ja-JP" altLang="en-US" dirty="0"/>
-              <a:t>最低限</a:t>
-            </a:r>
-            <a:r>
               <a:rPr lang="ja-JP" altLang="en-US" dirty="0" smtClean="0"/>
-              <a:t>のルールを決めるだけ</a:t>
+              <a:t>長所：通信速度の高速化が可能</a:t>
             </a:r>
             <a:endParaRPr lang="en-US" altLang="ja-JP" dirty="0" smtClean="0"/>
           </a:p>
           <a:p>
-            <a:r>
-              <a:rPr lang="ja-JP" altLang="en-US" dirty="0"/>
-              <a:t>ユニーク</a:t>
-            </a:r>
+            <a:pPr lvl="1"/>
             <a:r>
               <a:rPr lang="ja-JP" altLang="en-US" dirty="0" smtClean="0"/>
-              <a:t>なプロジェクト体制</a:t>
+              <a:t>短所：プロトコルが高速処理向きでない</a:t>
             </a:r>
             <a:endParaRPr lang="en-US" altLang="ja-JP" dirty="0" smtClean="0"/>
           </a:p>
           <a:p>
+            <a:r>
+              <a:rPr lang="ja-JP" altLang="en-US" dirty="0" smtClean="0"/>
+              <a:t>タイプ</a:t>
+            </a:r>
+            <a:r>
+              <a:rPr lang="en-US" altLang="ja-JP" dirty="0" smtClean="0"/>
+              <a:t>C</a:t>
+            </a:r>
+          </a:p>
+          <a:p>
             <a:pPr lvl="1"/>
             <a:r>
-              <a:rPr lang="ja-JP" altLang="en-US" dirty="0"/>
-              <a:t>学識</a:t>
-            </a:r>
-            <a:r>
               <a:rPr lang="ja-JP" altLang="en-US" dirty="0" smtClean="0"/>
-              <a:t>経験者，利用者代表，運輸事業者代表，乗車券システム構築企業代表などのメンバーで設立　された，生活者・市民，企業，行政の全てが参加した組織</a:t>
+              <a:t>長所：プロトコルが高速</a:t>
+            </a:r>
+            <a:endParaRPr lang="en-US" altLang="ja-JP" dirty="0" smtClean="0"/>
+          </a:p>
+          <a:p>
+            <a:pPr lvl="1"/>
+            <a:r>
+              <a:rPr lang="ja-JP" altLang="en-US" dirty="0" smtClean="0"/>
+              <a:t>短所：通信速度が上げられない</a:t>
             </a:r>
             <a:endParaRPr lang="en-US" altLang="ja-JP" dirty="0"/>
-          </a:p>
-          <a:p>
-            <a:pPr lvl="1"/>
-            <a:r>
-              <a:rPr lang="ja-JP" altLang="en-US" dirty="0"/>
-              <a:t>協</a:t>
-            </a:r>
-            <a:r>
-              <a:rPr lang="ja-JP" altLang="en-US" dirty="0" smtClean="0"/>
-              <a:t>議会のもとに本件に関する特別分科会</a:t>
-            </a:r>
-            <a:endParaRPr lang="en-US" altLang="ja-JP" dirty="0" smtClean="0"/>
-          </a:p>
-          <a:p>
-            <a:pPr lvl="1"/>
-            <a:r>
-              <a:rPr lang="ja-JP" altLang="en-US" dirty="0"/>
-              <a:t>汎用電子</a:t>
-            </a:r>
-            <a:r>
-              <a:rPr lang="ja-JP" altLang="en-US" dirty="0" smtClean="0"/>
-              <a:t>乗車券技術研究組合（</a:t>
-            </a:r>
-            <a:r>
-              <a:rPr lang="en-US" altLang="ja-JP" dirty="0" smtClean="0"/>
-              <a:t>TRAMET)</a:t>
-            </a:r>
           </a:p>
         </p:txBody>
       </p:sp>
@@ -7039,21 +6618,13 @@
     </p:spTree>
     <p:extLst>
       <p:ext uri="{BB962C8B-B14F-4D97-AF65-F5344CB8AC3E}">
-        <p14:creationId xmlns:p14="http://schemas.microsoft.com/office/powerpoint/2010/main" val="456741462"/>
+        <p14:creationId xmlns:p14="http://schemas.microsoft.com/office/powerpoint/2010/main" val="2813947643"/>
       </p:ext>
     </p:extLst>
   </p:cSld>
   <p:clrMapOvr>
     <a:masterClrMapping/>
   </p:clrMapOvr>
-  <mc:AlternateContent xmlns:mc="http://schemas.openxmlformats.org/markup-compatibility/2006">
-    <mc:Choice xmlns:p14="http://schemas.microsoft.com/office/powerpoint/2010/main" Requires="p14">
-      <p:transition spd="slow" p14:dur="2000"/>
-    </mc:Choice>
-    <mc:Fallback>
-      <p:transition spd="slow"/>
-    </mc:Fallback>
-  </mc:AlternateContent>
   <p:timing>
     <p:tnLst>
       <p:par>
@@ -7065,7 +6636,7 @@
 </file>
 
 <file path=ppt/slides/slide9.xml><?xml version="1.0" encoding="utf-8"?>
-<p:sld xmlns:a="http://schemas.openxmlformats.org/drawingml/2006/main" xmlns:r="http://schemas.openxmlformats.org/officeDocument/2006/relationships" xmlns:p="http://schemas.openxmlformats.org/presentationml/2006/main" show="0">
+<p:sld xmlns:a="http://schemas.openxmlformats.org/drawingml/2006/main" xmlns:r="http://schemas.openxmlformats.org/officeDocument/2006/relationships" xmlns:p="http://schemas.openxmlformats.org/presentationml/2006/main">
   <p:cSld>
     <p:spTree>
       <p:nvGrpSpPr>
@@ -7098,7 +6669,7 @@
           <a:p>
             <a:r>
               <a:rPr kumimoji="1" lang="ja-JP" altLang="en-US" dirty="0" smtClean="0"/>
-              <a:t>スコープ</a:t>
+              <a:t>教訓</a:t>
             </a:r>
             <a:endParaRPr kumimoji="1" lang="ja-JP" altLang="en-US" dirty="0"/>
           </a:p>
@@ -7121,92 +6692,49 @@
           <a:p>
             <a:r>
               <a:rPr kumimoji="1" lang="ja-JP" altLang="en-US" dirty="0" smtClean="0"/>
-              <a:t>開発コンセプト</a:t>
+              <a:t>関係する全てのステークホルダが参加する開発体制，コミュニケーション体制を確立し，確実に運営する</a:t>
             </a:r>
             <a:endParaRPr kumimoji="1" lang="en-US" altLang="ja-JP" dirty="0" smtClean="0"/>
           </a:p>
           <a:p>
-            <a:pPr lvl="1"/>
+            <a:r>
+              <a:rPr lang="ja-JP" altLang="en-US" dirty="0" smtClean="0"/>
+              <a:t>コンセプトの具体的な開発と実用化については，行政が関わらず</a:t>
+            </a:r>
             <a:r>
               <a:rPr lang="ja-JP" altLang="en-US" dirty="0"/>
-              <a:t>顧客</a:t>
+              <a:t>民間の</a:t>
             </a:r>
             <a:r>
               <a:rPr lang="ja-JP" altLang="en-US" dirty="0" smtClean="0"/>
-              <a:t>利便性の向上</a:t>
+              <a:t>力を活用し，業界に委ねる</a:t>
             </a:r>
             <a:endParaRPr lang="en-US" altLang="ja-JP" dirty="0" smtClean="0"/>
           </a:p>
           <a:p>
-            <a:pPr lvl="1"/>
+            <a:r>
+              <a:rPr kumimoji="1" lang="ja-JP" altLang="en-US" dirty="0" smtClean="0"/>
+              <a:t>スコープは，全てのステークホルダが理解でき，プロジェクトの推進に参画できる明確なものとする</a:t>
+            </a:r>
+            <a:endParaRPr kumimoji="1" lang="en-US" altLang="ja-JP" dirty="0" smtClean="0"/>
+          </a:p>
+          <a:p>
             <a:r>
               <a:rPr lang="ja-JP" altLang="en-US" dirty="0"/>
-              <a:t>処理</a:t>
+              <a:t>検討方法</a:t>
             </a:r>
             <a:r>
               <a:rPr lang="ja-JP" altLang="en-US" dirty="0" smtClean="0"/>
-              <a:t>能力の向上</a:t>
+              <a:t>や技術的に観て合理的なフェーズの切り分けを行い，確実に実行する</a:t>
             </a:r>
             <a:endParaRPr lang="en-US" altLang="ja-JP" dirty="0" smtClean="0"/>
           </a:p>
           <a:p>
-            <a:pPr lvl="1"/>
-            <a:r>
-              <a:rPr lang="ja-JP" altLang="en-US" dirty="0" smtClean="0"/>
-              <a:t>大きな拡張性と将来性</a:t>
-            </a:r>
-            <a:endParaRPr lang="en-US" altLang="ja-JP" dirty="0" smtClean="0"/>
-          </a:p>
-          <a:p>
-            <a:pPr lvl="1"/>
-            <a:r>
-              <a:rPr lang="ja-JP" altLang="en-US" dirty="0"/>
-              <a:t>高度</a:t>
-            </a:r>
-            <a:r>
-              <a:rPr lang="ja-JP" altLang="en-US" dirty="0" smtClean="0"/>
-              <a:t>なセキュリティ対策</a:t>
-            </a:r>
-            <a:endParaRPr lang="en-US" altLang="ja-JP" dirty="0" smtClean="0"/>
-          </a:p>
-          <a:p>
-            <a:r>
-              <a:rPr lang="ja-JP" altLang="en-US" dirty="0" smtClean="0"/>
-              <a:t>開発フェーズ</a:t>
-            </a:r>
-            <a:endParaRPr lang="en-US" altLang="ja-JP" dirty="0" smtClean="0"/>
-          </a:p>
-          <a:p>
-            <a:pPr lvl="1"/>
-            <a:r>
-              <a:rPr lang="en-US" altLang="ja-JP" dirty="0" smtClean="0"/>
-              <a:t>1996</a:t>
-            </a:r>
-            <a:r>
-              <a:rPr lang="ja-JP" altLang="en-US" dirty="0" smtClean="0"/>
-              <a:t>年度の「非接触</a:t>
-            </a:r>
-            <a:r>
-              <a:rPr lang="ja-JP" altLang="en-US" dirty="0"/>
-              <a:t>自動</a:t>
-            </a:r>
-            <a:r>
-              <a:rPr lang="ja-JP" altLang="en-US" dirty="0" smtClean="0"/>
-              <a:t>改札システム」の開発</a:t>
-            </a:r>
-            <a:endParaRPr lang="en-US" altLang="ja-JP" dirty="0" smtClean="0"/>
-          </a:p>
-          <a:p>
-            <a:pPr lvl="1"/>
-            <a:r>
-              <a:rPr lang="en-US" altLang="ja-JP" dirty="0" smtClean="0"/>
-              <a:t>1998</a:t>
-            </a:r>
-            <a:r>
-              <a:rPr lang="ja-JP" altLang="en-US" dirty="0" smtClean="0"/>
-              <a:t>年度までの「共通乗車カードシステム」の開発</a:t>
-            </a:r>
-            <a:endParaRPr lang="en-US" altLang="ja-JP" dirty="0"/>
+            <a:r>
+              <a:rPr kumimoji="1" lang="ja-JP" altLang="en-US" dirty="0" smtClean="0"/>
+              <a:t>組織の意思決定過程や運営を組織メンバーに公開し，透明な運営を行う</a:t>
+            </a:r>
+            <a:endParaRPr kumimoji="1" lang="ja-JP" altLang="en-US" dirty="0"/>
           </a:p>
         </p:txBody>
       </p:sp>
@@ -7236,21 +6764,13 @@
     </p:spTree>
     <p:extLst>
       <p:ext uri="{BB962C8B-B14F-4D97-AF65-F5344CB8AC3E}">
-        <p14:creationId xmlns:p14="http://schemas.microsoft.com/office/powerpoint/2010/main" val="3408696783"/>
+        <p14:creationId xmlns:p14="http://schemas.microsoft.com/office/powerpoint/2010/main" val="1275999467"/>
       </p:ext>
     </p:extLst>
   </p:cSld>
   <p:clrMapOvr>
     <a:masterClrMapping/>
   </p:clrMapOvr>
-  <mc:AlternateContent xmlns:mc="http://schemas.openxmlformats.org/markup-compatibility/2006">
-    <mc:Choice xmlns:p14="http://schemas.microsoft.com/office/powerpoint/2010/main" Requires="p14">
-      <p:transition spd="slow" p14:dur="2000"/>
-    </mc:Choice>
-    <mc:Fallback>
-      <p:transition spd="slow"/>
-    </mc:Fallback>
-  </mc:AlternateContent>
   <p:timing>
     <p:tnLst>
       <p:par>
@@ -7538,7 +7058,7 @@
   <a:extraClrSchemeLst/>
   <a:extLst>
     <a:ext uri="{05A4C25C-085E-4340-85A3-A5531E510DB2}">
-      <thm15:themeFamily xmlns:thm15="http://schemas.microsoft.com/office/thememl/2012/main" xmlns="" name="Retrospect" id="{5F128B03-DCCA-4EEB-AB3B-CF2899314A46}" vid="{3F1AAB62-24C6-49D2-8E01-B56FAC9A3DCD}"/>
+      <thm15:themeFamily xmlns:thm15="http://schemas.microsoft.com/office/thememl/2012/main" name="Retrospect" id="{5F128B03-DCCA-4EEB-AB3B-CF2899314A46}" vid="{3F1AAB62-24C6-49D2-8E01-B56FAC9A3DCD}"/>
     </a:ext>
   </a:extLst>
 </a:theme>
@@ -7799,7 +7319,7 @@
   <a:extraClrSchemeLst/>
   <a:extLst>
     <a:ext uri="{05A4C25C-085E-4340-85A3-A5531E510DB2}">
-      <thm15:themeFamily xmlns:thm15="http://schemas.microsoft.com/office/thememl/2012/main" xmlns="" name="Office Theme" id="{62F939B6-93AF-4DB8-9C6B-D6C7DFDC589F}" vid="{4A3C46E8-61CC-4603-A589-7422A47A8E4A}"/>
+      <thm15:themeFamily xmlns:thm15="http://schemas.microsoft.com/office/thememl/2012/main" name="Office Theme" id="{62F939B6-93AF-4DB8-9C6B-D6C7DFDC589F}" vid="{4A3C46E8-61CC-4603-A589-7422A47A8E4A}"/>
     </a:ext>
   </a:extLst>
 </a:theme>
